--- a/document/D2Archeve 기획 v.0.1.pptx
+++ b/document/D2Archeve 기획 v.0.1.pptx
@@ -5,21 +5,26 @@
     <p:sldMasterId id="2147483654" r:id="rId1"/>
   </p:sldMasterIdLst>
   <p:notesMasterIdLst>
-    <p:notesMasterId r:id="rId6"/>
+    <p:notesMasterId r:id="rId11"/>
   </p:notesMasterIdLst>
   <p:handoutMasterIdLst>
-    <p:handoutMasterId r:id="rId7"/>
+    <p:handoutMasterId r:id="rId12"/>
   </p:handoutMasterIdLst>
   <p:sldIdLst>
     <p:sldId id="2001" r:id="rId2"/>
     <p:sldId id="2002" r:id="rId3"/>
     <p:sldId id="2003" r:id="rId4"/>
     <p:sldId id="2004" r:id="rId5"/>
+    <p:sldId id="2005" r:id="rId6"/>
+    <p:sldId id="2006" r:id="rId7"/>
+    <p:sldId id="2007" r:id="rId8"/>
+    <p:sldId id="2008" r:id="rId9"/>
+    <p:sldId id="2009" r:id="rId10"/>
   </p:sldIdLst>
   <p:sldSz cx="11049000" cy="6858000"/>
   <p:notesSz cx="9942513" cy="6811963"/>
   <p:custDataLst>
-    <p:tags r:id="rId8"/>
+    <p:tags r:id="rId13"/>
   </p:custDataLst>
   <p:defaultTextStyle>
     <a:defPPr>
@@ -2014,7 +2019,7 @@
           <a:graphicData uri="http://schemas.openxmlformats.org/presentationml/2006/ole">
             <mc:AlternateContent xmlns:mc="http://schemas.openxmlformats.org/markup-compatibility/2006">
               <mc:Choice xmlns:v="urn:schemas-microsoft-com:vml" Requires="v">
-                <p:oleObj spid="_x0000_s2276" name="클립" r:id="rId4" imgW="4082760" imgH="903960" progId="">
+                <p:oleObj spid="_x0000_s2281" name="클립" r:id="rId4" imgW="4082760" imgH="903960" progId="">
                   <p:embed/>
                 </p:oleObj>
               </mc:Choice>
@@ -3928,6 +3933,3673 @@
     <p:extLst>
       <p:ext uri="{BB962C8B-B14F-4D97-AF65-F5344CB8AC3E}">
         <p14:creationId xmlns:p14="http://schemas.microsoft.com/office/powerpoint/2010/main" val="651882650"/>
+      </p:ext>
+    </p:extLst>
+  </p:cSld>
+  <p:clrMapOvr>
+    <a:masterClrMapping/>
+  </p:clrMapOvr>
+</p:sld>
+</file>
+
+<file path=ppt/slides/slide5.xml><?xml version="1.0" encoding="utf-8"?>
+<p:sld xmlns:a="http://schemas.openxmlformats.org/drawingml/2006/main" xmlns:r="http://schemas.openxmlformats.org/officeDocument/2006/relationships" xmlns:p="http://schemas.openxmlformats.org/presentationml/2006/main">
+  <p:cSld>
+    <p:spTree>
+      <p:nvGrpSpPr>
+        <p:cNvPr id="1" name=""/>
+        <p:cNvGrpSpPr/>
+        <p:nvPr/>
+      </p:nvGrpSpPr>
+      <p:grpSpPr>
+        <a:xfrm>
+          <a:off x="0" y="0"/>
+          <a:ext cx="0" cy="0"/>
+          <a:chOff x="0" y="0"/>
+          <a:chExt cx="0" cy="0"/>
+        </a:xfrm>
+      </p:grpSpPr>
+      <p:sp>
+        <p:nvSpPr>
+          <p:cNvPr id="3" name="제목 2"/>
+          <p:cNvSpPr>
+            <a:spLocks noGrp="1"/>
+          </p:cNvSpPr>
+          <p:nvPr>
+            <p:ph type="title"/>
+          </p:nvPr>
+        </p:nvSpPr>
+        <p:spPr/>
+        <p:txBody>
+          <a:bodyPr/>
+          <a:lstStyle/>
+          <a:p>
+            <a:r>
+              <a:rPr lang="en-US" altLang="ko-KR" dirty="0" smtClean="0"/>
+              <a:t>User - Document</a:t>
+            </a:r>
+            <a:endParaRPr lang="ko-KR" altLang="en-US" dirty="0"/>
+          </a:p>
+        </p:txBody>
+      </p:sp>
+      <p:grpSp>
+        <p:nvGrpSpPr>
+          <p:cNvPr id="8" name="그룹 7"/>
+          <p:cNvGrpSpPr/>
+          <p:nvPr/>
+        </p:nvGrpSpPr>
+        <p:grpSpPr>
+          <a:xfrm>
+            <a:off x="2070650" y="2235314"/>
+            <a:ext cx="1008140" cy="648090"/>
+            <a:chOff x="843850" y="1952794"/>
+            <a:chExt cx="1008140" cy="648090"/>
+          </a:xfrm>
+        </p:grpSpPr>
+        <p:sp>
+          <p:nvSpPr>
+            <p:cNvPr id="4" name="타원 3"/>
+            <p:cNvSpPr/>
+            <p:nvPr/>
+          </p:nvSpPr>
+          <p:spPr bwMode="auto">
+            <a:xfrm>
+              <a:off x="1023874" y="1952794"/>
+              <a:ext cx="828115" cy="648090"/>
+            </a:xfrm>
+            <a:prstGeom prst="ellipse">
+              <a:avLst/>
+            </a:prstGeom>
+            <a:solidFill>
+              <a:schemeClr val="bg1"/>
+            </a:solidFill>
+            <a:ln w="12700">
+              <a:solidFill>
+                <a:schemeClr val="tx1">
+                  <a:lumMod val="75000"/>
+                  <a:lumOff val="25000"/>
+                </a:schemeClr>
+              </a:solidFill>
+              <a:round/>
+              <a:headEnd/>
+              <a:tailEnd/>
+            </a:ln>
+            <a:effectLst/>
+          </p:spPr>
+          <p:txBody>
+            <a:bodyPr wrap="square" rtlCol="0" anchor="ctr">
+              <a:noAutofit/>
+            </a:bodyPr>
+            <a:lstStyle/>
+            <a:p>
+              <a:pPr marL="171450" indent="-171450" algn="ctr" eaLnBrk="0" latinLnBrk="0" hangingPunct="0">
+                <a:spcBef>
+                  <a:spcPct val="50000"/>
+                </a:spcBef>
+                <a:buClr>
+                  <a:schemeClr val="tx1"/>
+                </a:buClr>
+                <a:buFont typeface="Wingdings" pitchFamily="2" charset="2"/>
+                <a:buChar char="ü"/>
+              </a:pPr>
+              <a:endParaRPr lang="ko-KR" altLang="en-US" smtClean="0">
+                <a:latin typeface="Optima" pitchFamily="2" charset="2"/>
+              </a:endParaRPr>
+            </a:p>
+          </p:txBody>
+        </p:sp>
+        <p:sp>
+          <p:nvSpPr>
+            <p:cNvPr id="6" name="TextBox 5"/>
+            <p:cNvSpPr txBox="1"/>
+            <p:nvPr/>
+          </p:nvSpPr>
+          <p:spPr bwMode="auto">
+            <a:xfrm>
+              <a:off x="843850" y="2138340"/>
+              <a:ext cx="1008140" cy="276999"/>
+            </a:xfrm>
+            <a:prstGeom prst="rect">
+              <a:avLst/>
+            </a:prstGeom>
+            <a:noFill/>
+            <a:ln w="12700">
+              <a:noFill/>
+              <a:miter lim="800000"/>
+              <a:headEnd/>
+              <a:tailEnd/>
+            </a:ln>
+            <a:effectLst/>
+          </p:spPr>
+          <p:txBody>
+            <a:bodyPr wrap="square" rtlCol="0">
+              <a:spAutoFit/>
+            </a:bodyPr>
+            <a:lstStyle/>
+            <a:p>
+              <a:pPr algn="l" defTabSz="708025" eaLnBrk="0" latinLnBrk="0" hangingPunct="0">
+                <a:spcBef>
+                  <a:spcPts val="0"/>
+                </a:spcBef>
+                <a:buClr>
+                  <a:schemeClr val="folHlink"/>
+                </a:buClr>
+                <a:buFontTx/>
+                <a:buChar char="-"/>
+              </a:pPr>
+              <a:r>
+                <a:rPr lang="en-US" altLang="ko-KR" dirty="0" smtClean="0">
+                  <a:latin typeface="+mj-lt"/>
+                  <a:ea typeface="+mj-ea"/>
+                </a:rPr>
+                <a:t>document</a:t>
+              </a:r>
+              <a:endParaRPr lang="ko-KR" altLang="en-US" dirty="0">
+                <a:latin typeface="+mj-lt"/>
+                <a:ea typeface="+mj-ea"/>
+              </a:endParaRPr>
+            </a:p>
+          </p:txBody>
+        </p:sp>
+      </p:grpSp>
+      <p:grpSp>
+        <p:nvGrpSpPr>
+          <p:cNvPr id="9" name="그룹 8"/>
+          <p:cNvGrpSpPr/>
+          <p:nvPr/>
+        </p:nvGrpSpPr>
+        <p:grpSpPr>
+          <a:xfrm>
+            <a:off x="7828820" y="2204830"/>
+            <a:ext cx="720100" cy="701115"/>
+            <a:chOff x="4516360" y="3356989"/>
+            <a:chExt cx="720100" cy="701115"/>
+          </a:xfrm>
+        </p:grpSpPr>
+        <p:sp>
+          <p:nvSpPr>
+            <p:cNvPr id="5" name="타원 4"/>
+            <p:cNvSpPr/>
+            <p:nvPr/>
+          </p:nvSpPr>
+          <p:spPr bwMode="auto">
+            <a:xfrm>
+              <a:off x="4516360" y="3356989"/>
+              <a:ext cx="720100" cy="701115"/>
+            </a:xfrm>
+            <a:prstGeom prst="ellipse">
+              <a:avLst/>
+            </a:prstGeom>
+            <a:solidFill>
+              <a:schemeClr val="bg1"/>
+            </a:solidFill>
+            <a:ln w="12700">
+              <a:solidFill>
+                <a:schemeClr val="tx1">
+                  <a:lumMod val="75000"/>
+                  <a:lumOff val="25000"/>
+                </a:schemeClr>
+              </a:solidFill>
+              <a:round/>
+              <a:headEnd/>
+              <a:tailEnd/>
+            </a:ln>
+            <a:effectLst/>
+          </p:spPr>
+          <p:txBody>
+            <a:bodyPr wrap="square" rtlCol="0" anchor="ctr">
+              <a:noAutofit/>
+            </a:bodyPr>
+            <a:lstStyle/>
+            <a:p>
+              <a:pPr marL="171450" indent="-171450" algn="ctr" eaLnBrk="0" latinLnBrk="0" hangingPunct="0">
+                <a:spcBef>
+                  <a:spcPct val="50000"/>
+                </a:spcBef>
+                <a:buClr>
+                  <a:schemeClr val="tx1"/>
+                </a:buClr>
+                <a:buFont typeface="Wingdings" pitchFamily="2" charset="2"/>
+                <a:buChar char="ü"/>
+              </a:pPr>
+              <a:endParaRPr lang="ko-KR" altLang="en-US" smtClean="0">
+                <a:latin typeface="Optima" pitchFamily="2" charset="2"/>
+              </a:endParaRPr>
+            </a:p>
+          </p:txBody>
+        </p:sp>
+        <p:sp>
+          <p:nvSpPr>
+            <p:cNvPr id="7" name="TextBox 6"/>
+            <p:cNvSpPr txBox="1"/>
+            <p:nvPr/>
+          </p:nvSpPr>
+          <p:spPr bwMode="auto">
+            <a:xfrm>
+              <a:off x="4516360" y="3573019"/>
+              <a:ext cx="720100" cy="276999"/>
+            </a:xfrm>
+            <a:prstGeom prst="rect">
+              <a:avLst/>
+            </a:prstGeom>
+            <a:noFill/>
+            <a:ln w="12700">
+              <a:noFill/>
+              <a:miter lim="800000"/>
+              <a:headEnd/>
+              <a:tailEnd/>
+            </a:ln>
+            <a:effectLst/>
+          </p:spPr>
+          <p:txBody>
+            <a:bodyPr wrap="square" rtlCol="0">
+              <a:spAutoFit/>
+            </a:bodyPr>
+            <a:lstStyle/>
+            <a:p>
+              <a:pPr algn="l" defTabSz="708025" eaLnBrk="0" latinLnBrk="0" hangingPunct="0">
+                <a:spcBef>
+                  <a:spcPts val="0"/>
+                </a:spcBef>
+                <a:buClr>
+                  <a:schemeClr val="folHlink"/>
+                </a:buClr>
+                <a:buFontTx/>
+                <a:buChar char="-"/>
+              </a:pPr>
+              <a:r>
+                <a:rPr lang="en-US" altLang="ko-KR" dirty="0" smtClean="0">
+                  <a:latin typeface="+mj-lt"/>
+                  <a:ea typeface="+mj-ea"/>
+                </a:rPr>
+                <a:t>User</a:t>
+              </a:r>
+            </a:p>
+          </p:txBody>
+        </p:sp>
+      </p:grpSp>
+      <p:cxnSp>
+        <p:nvCxnSpPr>
+          <p:cNvPr id="11" name="직선 화살표 연결선 10"/>
+          <p:cNvCxnSpPr>
+            <a:stCxn id="4" idx="6"/>
+            <a:endCxn id="5" idx="2"/>
+          </p:cNvCxnSpPr>
+          <p:nvPr/>
+        </p:nvCxnSpPr>
+        <p:spPr bwMode="auto">
+          <a:xfrm flipV="1">
+            <a:off x="3078789" y="2555388"/>
+            <a:ext cx="4750031" cy="3971"/>
+          </a:xfrm>
+          <a:prstGeom prst="straightConnector1">
+            <a:avLst/>
+          </a:prstGeom>
+          <a:noFill/>
+          <a:ln w="12700" cap="flat" cmpd="sng" algn="ctr">
+            <a:solidFill>
+              <a:schemeClr val="tx1">
+                <a:lumMod val="75000"/>
+                <a:lumOff val="25000"/>
+              </a:schemeClr>
+            </a:solidFill>
+            <a:prstDash val="solid"/>
+            <a:round/>
+            <a:headEnd type="none" w="med" len="med"/>
+            <a:tailEnd type="arrow"/>
+          </a:ln>
+          <a:effectLst/>
+        </p:spPr>
+      </p:cxnSp>
+      <p:sp>
+        <p:nvSpPr>
+          <p:cNvPr id="14" name="TextBox 13"/>
+          <p:cNvSpPr txBox="1"/>
+          <p:nvPr/>
+        </p:nvSpPr>
+        <p:spPr bwMode="auto">
+          <a:xfrm>
+            <a:off x="4552364" y="2690199"/>
+            <a:ext cx="1800250" cy="276999"/>
+          </a:xfrm>
+          <a:prstGeom prst="rect">
+            <a:avLst/>
+          </a:prstGeom>
+          <a:noFill/>
+          <a:ln w="12700">
+            <a:noFill/>
+            <a:miter lim="800000"/>
+            <a:headEnd/>
+            <a:tailEnd/>
+          </a:ln>
+          <a:effectLst/>
+        </p:spPr>
+        <p:txBody>
+          <a:bodyPr wrap="square" rtlCol="0">
+            <a:spAutoFit/>
+          </a:bodyPr>
+          <a:lstStyle/>
+          <a:p>
+            <a:pPr algn="l" defTabSz="708025" eaLnBrk="0" latinLnBrk="0" hangingPunct="0">
+              <a:spcBef>
+                <a:spcPts val="0"/>
+              </a:spcBef>
+              <a:buClr>
+                <a:schemeClr val="folHlink"/>
+              </a:buClr>
+              <a:buFontTx/>
+              <a:buChar char="-"/>
+            </a:pPr>
+            <a:r>
+              <a:rPr lang="en-US" altLang="ko-KR" dirty="0" smtClean="0">
+                <a:latin typeface="+mj-lt"/>
+                <a:ea typeface="+mj-ea"/>
+              </a:rPr>
+              <a:t>[IS_WRITTEN_BY]</a:t>
+            </a:r>
+            <a:endParaRPr lang="ko-KR" altLang="en-US" dirty="0">
+              <a:latin typeface="+mj-lt"/>
+              <a:ea typeface="+mj-ea"/>
+            </a:endParaRPr>
+          </a:p>
+        </p:txBody>
+      </p:sp>
+      <p:cxnSp>
+        <p:nvCxnSpPr>
+          <p:cNvPr id="17" name="꺾인 연결선 16"/>
+          <p:cNvCxnSpPr>
+            <a:stCxn id="5" idx="0"/>
+            <a:endCxn id="4" idx="0"/>
+          </p:cNvCxnSpPr>
+          <p:nvPr/>
+        </p:nvCxnSpPr>
+        <p:spPr bwMode="auto">
+          <a:xfrm rot="16200000" flipH="1" flipV="1">
+            <a:off x="5411559" y="-541997"/>
+            <a:ext cx="30484" cy="5524138"/>
+          </a:xfrm>
+          <a:prstGeom prst="bentConnector3">
+            <a:avLst>
+              <a:gd name="adj1" fmla="val -749902"/>
+            </a:avLst>
+          </a:prstGeom>
+          <a:noFill/>
+          <a:ln w="12700" cap="flat" cmpd="sng" algn="ctr">
+            <a:solidFill>
+              <a:schemeClr val="tx1">
+                <a:lumMod val="75000"/>
+                <a:lumOff val="25000"/>
+              </a:schemeClr>
+            </a:solidFill>
+            <a:prstDash val="solid"/>
+            <a:round/>
+            <a:headEnd type="none" w="med" len="med"/>
+            <a:tailEnd type="arrow"/>
+          </a:ln>
+          <a:effectLst/>
+        </p:spPr>
+      </p:cxnSp>
+      <p:sp>
+        <p:nvSpPr>
+          <p:cNvPr id="23" name="TextBox 22"/>
+          <p:cNvSpPr txBox="1"/>
+          <p:nvPr/>
+        </p:nvSpPr>
+        <p:spPr bwMode="auto">
+          <a:xfrm>
+            <a:off x="4560615" y="1672484"/>
+            <a:ext cx="981136" cy="276999"/>
+          </a:xfrm>
+          <a:prstGeom prst="rect">
+            <a:avLst/>
+          </a:prstGeom>
+          <a:noFill/>
+          <a:ln w="12700">
+            <a:noFill/>
+            <a:miter lim="800000"/>
+            <a:headEnd/>
+            <a:tailEnd/>
+          </a:ln>
+          <a:effectLst/>
+        </p:spPr>
+        <p:txBody>
+          <a:bodyPr wrap="square" rtlCol="0">
+            <a:spAutoFit/>
+          </a:bodyPr>
+          <a:lstStyle/>
+          <a:p>
+            <a:pPr algn="l" defTabSz="708025" eaLnBrk="0" latinLnBrk="0" hangingPunct="0">
+              <a:spcBef>
+                <a:spcPts val="0"/>
+              </a:spcBef>
+              <a:buClr>
+                <a:schemeClr val="folHlink"/>
+              </a:buClr>
+              <a:buFontTx/>
+              <a:buChar char="-"/>
+            </a:pPr>
+            <a:r>
+              <a:rPr lang="en-US" altLang="ko-KR" dirty="0" smtClean="0">
+                <a:latin typeface="+mj-lt"/>
+                <a:ea typeface="+mj-ea"/>
+              </a:rPr>
+              <a:t>[:VOTED]</a:t>
+            </a:r>
+            <a:endParaRPr lang="ko-KR" altLang="en-US" dirty="0">
+              <a:latin typeface="+mj-lt"/>
+              <a:ea typeface="+mj-ea"/>
+            </a:endParaRPr>
+          </a:p>
+        </p:txBody>
+      </p:sp>
+      <p:grpSp>
+        <p:nvGrpSpPr>
+          <p:cNvPr id="26" name="그룹 25"/>
+          <p:cNvGrpSpPr/>
+          <p:nvPr/>
+        </p:nvGrpSpPr>
+        <p:grpSpPr>
+          <a:xfrm>
+            <a:off x="4929666" y="4427399"/>
+            <a:ext cx="1224169" cy="416079"/>
+            <a:chOff x="4732390" y="4938739"/>
+            <a:chExt cx="1224169" cy="416079"/>
+          </a:xfrm>
+        </p:grpSpPr>
+        <p:sp>
+          <p:nvSpPr>
+            <p:cNvPr id="24" name="타원 23"/>
+            <p:cNvSpPr/>
+            <p:nvPr/>
+          </p:nvSpPr>
+          <p:spPr bwMode="auto">
+            <a:xfrm>
+              <a:off x="4887015" y="4938739"/>
+              <a:ext cx="837116" cy="416079"/>
+            </a:xfrm>
+            <a:prstGeom prst="ellipse">
+              <a:avLst/>
+            </a:prstGeom>
+            <a:solidFill>
+              <a:schemeClr val="bg1"/>
+            </a:solidFill>
+            <a:ln w="12700">
+              <a:solidFill>
+                <a:schemeClr val="tx1">
+                  <a:lumMod val="75000"/>
+                  <a:lumOff val="25000"/>
+                </a:schemeClr>
+              </a:solidFill>
+              <a:round/>
+              <a:headEnd/>
+              <a:tailEnd/>
+            </a:ln>
+            <a:effectLst/>
+          </p:spPr>
+          <p:txBody>
+            <a:bodyPr wrap="square" rtlCol="0" anchor="ctr">
+              <a:noAutofit/>
+            </a:bodyPr>
+            <a:lstStyle/>
+            <a:p>
+              <a:pPr marL="171450" indent="-171450" algn="ctr" eaLnBrk="0" latinLnBrk="0" hangingPunct="0">
+                <a:spcBef>
+                  <a:spcPct val="50000"/>
+                </a:spcBef>
+                <a:buClr>
+                  <a:schemeClr val="tx1"/>
+                </a:buClr>
+                <a:buFont typeface="Wingdings" pitchFamily="2" charset="2"/>
+                <a:buChar char="ü"/>
+              </a:pPr>
+              <a:endParaRPr lang="ko-KR" altLang="en-US" smtClean="0">
+                <a:latin typeface="Optima" pitchFamily="2" charset="2"/>
+              </a:endParaRPr>
+            </a:p>
+          </p:txBody>
+        </p:sp>
+        <p:sp>
+          <p:nvSpPr>
+            <p:cNvPr id="25" name="TextBox 24"/>
+            <p:cNvSpPr txBox="1"/>
+            <p:nvPr/>
+          </p:nvSpPr>
+          <p:spPr bwMode="auto">
+            <a:xfrm>
+              <a:off x="4732390" y="5008280"/>
+              <a:ext cx="1224169" cy="276999"/>
+            </a:xfrm>
+            <a:prstGeom prst="rect">
+              <a:avLst/>
+            </a:prstGeom>
+            <a:noFill/>
+            <a:ln w="12700">
+              <a:noFill/>
+              <a:miter lim="800000"/>
+              <a:headEnd/>
+              <a:tailEnd/>
+            </a:ln>
+            <a:effectLst/>
+          </p:spPr>
+          <p:txBody>
+            <a:bodyPr wrap="square" rtlCol="0">
+              <a:spAutoFit/>
+            </a:bodyPr>
+            <a:lstStyle/>
+            <a:p>
+              <a:pPr algn="l" defTabSz="708025" eaLnBrk="0" latinLnBrk="0" hangingPunct="0">
+                <a:spcBef>
+                  <a:spcPts val="0"/>
+                </a:spcBef>
+                <a:buClr>
+                  <a:schemeClr val="folHlink"/>
+                </a:buClr>
+                <a:buFontTx/>
+                <a:buChar char="-"/>
+              </a:pPr>
+              <a:r>
+                <a:rPr lang="en-US" altLang="ko-KR" dirty="0" smtClean="0">
+                  <a:latin typeface="+mj-lt"/>
+                  <a:ea typeface="+mj-ea"/>
+                </a:rPr>
+                <a:t>Comment</a:t>
+              </a:r>
+              <a:endParaRPr lang="ko-KR" altLang="en-US" dirty="0">
+                <a:latin typeface="+mj-lt"/>
+                <a:ea typeface="+mj-ea"/>
+              </a:endParaRPr>
+            </a:p>
+          </p:txBody>
+        </p:sp>
+      </p:grpSp>
+      <p:cxnSp>
+        <p:nvCxnSpPr>
+          <p:cNvPr id="31" name="직선 화살표 연결선 30"/>
+          <p:cNvCxnSpPr>
+            <a:stCxn id="24" idx="1"/>
+            <a:endCxn id="4" idx="5"/>
+          </p:cNvCxnSpPr>
+          <p:nvPr/>
+        </p:nvCxnSpPr>
+        <p:spPr bwMode="auto">
+          <a:xfrm flipH="1" flipV="1">
+            <a:off x="2957514" y="2788493"/>
+            <a:ext cx="2249370" cy="1699839"/>
+          </a:xfrm>
+          <a:prstGeom prst="straightConnector1">
+            <a:avLst/>
+          </a:prstGeom>
+          <a:noFill/>
+          <a:ln w="12700" cap="flat" cmpd="sng" algn="ctr">
+            <a:solidFill>
+              <a:schemeClr val="tx1">
+                <a:lumMod val="75000"/>
+                <a:lumOff val="25000"/>
+              </a:schemeClr>
+            </a:solidFill>
+            <a:prstDash val="solid"/>
+            <a:round/>
+            <a:headEnd type="none" w="med" len="med"/>
+            <a:tailEnd type="arrow"/>
+          </a:ln>
+          <a:effectLst/>
+        </p:spPr>
+      </p:cxnSp>
+      <p:sp>
+        <p:nvSpPr>
+          <p:cNvPr id="34" name="TextBox 33"/>
+          <p:cNvSpPr txBox="1"/>
+          <p:nvPr/>
+        </p:nvSpPr>
+        <p:spPr bwMode="auto">
+          <a:xfrm>
+            <a:off x="2250674" y="3645801"/>
+            <a:ext cx="1836256" cy="276999"/>
+          </a:xfrm>
+          <a:prstGeom prst="rect">
+            <a:avLst/>
+          </a:prstGeom>
+          <a:noFill/>
+          <a:ln w="12700">
+            <a:noFill/>
+            <a:miter lim="800000"/>
+            <a:headEnd/>
+            <a:tailEnd/>
+          </a:ln>
+          <a:effectLst/>
+        </p:spPr>
+        <p:txBody>
+          <a:bodyPr wrap="square" rtlCol="0">
+            <a:spAutoFit/>
+          </a:bodyPr>
+          <a:lstStyle/>
+          <a:p>
+            <a:pPr algn="l" defTabSz="708025" eaLnBrk="0" latinLnBrk="0" hangingPunct="0">
+              <a:spcBef>
+                <a:spcPts val="0"/>
+              </a:spcBef>
+              <a:buClr>
+                <a:schemeClr val="folHlink"/>
+              </a:buClr>
+              <a:buFontTx/>
+              <a:buChar char="-"/>
+            </a:pPr>
+            <a:r>
+              <a:rPr lang="en-US" altLang="ko-KR" dirty="0" smtClean="0">
+                <a:latin typeface="+mj-lt"/>
+                <a:ea typeface="+mj-ea"/>
+              </a:rPr>
+              <a:t>[:IS_ATTACHED_TO]</a:t>
+            </a:r>
+            <a:endParaRPr lang="ko-KR" altLang="en-US" dirty="0">
+              <a:latin typeface="+mj-lt"/>
+              <a:ea typeface="+mj-ea"/>
+            </a:endParaRPr>
+          </a:p>
+        </p:txBody>
+      </p:sp>
+      <p:cxnSp>
+        <p:nvCxnSpPr>
+          <p:cNvPr id="36" name="직선 화살표 연결선 35"/>
+          <p:cNvCxnSpPr>
+            <a:stCxn id="24" idx="7"/>
+            <a:endCxn id="5" idx="3"/>
+          </p:cNvCxnSpPr>
+          <p:nvPr/>
+        </p:nvCxnSpPr>
+        <p:spPr bwMode="auto">
+          <a:xfrm flipV="1">
+            <a:off x="5798814" y="2803269"/>
+            <a:ext cx="2135462" cy="1685063"/>
+          </a:xfrm>
+          <a:prstGeom prst="straightConnector1">
+            <a:avLst/>
+          </a:prstGeom>
+          <a:noFill/>
+          <a:ln w="12700" cap="flat" cmpd="sng" algn="ctr">
+            <a:solidFill>
+              <a:schemeClr val="tx1">
+                <a:lumMod val="75000"/>
+                <a:lumOff val="25000"/>
+              </a:schemeClr>
+            </a:solidFill>
+            <a:prstDash val="solid"/>
+            <a:round/>
+            <a:headEnd type="none" w="med" len="med"/>
+            <a:tailEnd type="arrow"/>
+          </a:ln>
+          <a:effectLst/>
+        </p:spPr>
+      </p:cxnSp>
+      <p:sp>
+        <p:nvSpPr>
+          <p:cNvPr id="37" name="TextBox 36"/>
+          <p:cNvSpPr txBox="1"/>
+          <p:nvPr/>
+        </p:nvSpPr>
+        <p:spPr bwMode="auto">
+          <a:xfrm>
+            <a:off x="6587882" y="3645801"/>
+            <a:ext cx="2033048" cy="276999"/>
+          </a:xfrm>
+          <a:prstGeom prst="rect">
+            <a:avLst/>
+          </a:prstGeom>
+          <a:noFill/>
+          <a:ln w="12700">
+            <a:noFill/>
+            <a:miter lim="800000"/>
+            <a:headEnd/>
+            <a:tailEnd/>
+          </a:ln>
+          <a:effectLst/>
+        </p:spPr>
+        <p:txBody>
+          <a:bodyPr wrap="square" rtlCol="0">
+            <a:spAutoFit/>
+          </a:bodyPr>
+          <a:lstStyle/>
+          <a:p>
+            <a:pPr algn="l" defTabSz="708025" eaLnBrk="0" latinLnBrk="0" hangingPunct="0">
+              <a:spcBef>
+                <a:spcPts val="0"/>
+              </a:spcBef>
+              <a:buClr>
+                <a:schemeClr val="folHlink"/>
+              </a:buClr>
+              <a:buFontTx/>
+              <a:buChar char="-"/>
+            </a:pPr>
+            <a:r>
+              <a:rPr lang="en-US" altLang="ko-KR" dirty="0" smtClean="0">
+                <a:latin typeface="+mj-lt"/>
+                <a:ea typeface="+mj-ea"/>
+              </a:rPr>
+              <a:t>[:IS_COMMENTED_BY]</a:t>
+            </a:r>
+            <a:endParaRPr lang="ko-KR" altLang="en-US" dirty="0">
+              <a:latin typeface="+mj-lt"/>
+              <a:ea typeface="+mj-ea"/>
+            </a:endParaRPr>
+          </a:p>
+        </p:txBody>
+      </p:sp>
+    </p:spTree>
+    <p:extLst>
+      <p:ext uri="{BB962C8B-B14F-4D97-AF65-F5344CB8AC3E}">
+        <p14:creationId xmlns:p14="http://schemas.microsoft.com/office/powerpoint/2010/main" val="4067286596"/>
+      </p:ext>
+    </p:extLst>
+  </p:cSld>
+  <p:clrMapOvr>
+    <a:masterClrMapping/>
+  </p:clrMapOvr>
+</p:sld>
+</file>
+
+<file path=ppt/slides/slide6.xml><?xml version="1.0" encoding="utf-8"?>
+<p:sld xmlns:a="http://schemas.openxmlformats.org/drawingml/2006/main" xmlns:r="http://schemas.openxmlformats.org/officeDocument/2006/relationships" xmlns:p="http://schemas.openxmlformats.org/presentationml/2006/main">
+  <p:cSld>
+    <p:spTree>
+      <p:nvGrpSpPr>
+        <p:cNvPr id="1" name=""/>
+        <p:cNvGrpSpPr/>
+        <p:nvPr/>
+      </p:nvGrpSpPr>
+      <p:grpSpPr>
+        <a:xfrm>
+          <a:off x="0" y="0"/>
+          <a:ext cx="0" cy="0"/>
+          <a:chOff x="0" y="0"/>
+          <a:chExt cx="0" cy="0"/>
+        </a:xfrm>
+      </p:grpSpPr>
+      <p:sp>
+        <p:nvSpPr>
+          <p:cNvPr id="3" name="제목 2"/>
+          <p:cNvSpPr>
+            <a:spLocks noGrp="1"/>
+          </p:cNvSpPr>
+          <p:nvPr>
+            <p:ph type="title"/>
+          </p:nvPr>
+        </p:nvSpPr>
+        <p:spPr/>
+        <p:txBody>
+          <a:bodyPr/>
+          <a:lstStyle/>
+          <a:p>
+            <a:r>
+              <a:rPr lang="en-US" altLang="ko-KR" dirty="0" smtClean="0"/>
+              <a:t>Document-Document</a:t>
+            </a:r>
+            <a:endParaRPr lang="ko-KR" altLang="en-US" dirty="0"/>
+          </a:p>
+        </p:txBody>
+      </p:sp>
+      <p:grpSp>
+        <p:nvGrpSpPr>
+          <p:cNvPr id="6" name="그룹 5"/>
+          <p:cNvGrpSpPr/>
+          <p:nvPr/>
+        </p:nvGrpSpPr>
+        <p:grpSpPr>
+          <a:xfrm>
+            <a:off x="2991450" y="4135230"/>
+            <a:ext cx="1008140" cy="576080"/>
+            <a:chOff x="2284050" y="2204830"/>
+            <a:chExt cx="1008140" cy="576080"/>
+          </a:xfrm>
+        </p:grpSpPr>
+        <p:sp>
+          <p:nvSpPr>
+            <p:cNvPr id="4" name="타원 3"/>
+            <p:cNvSpPr/>
+            <p:nvPr/>
+          </p:nvSpPr>
+          <p:spPr bwMode="auto">
+            <a:xfrm>
+              <a:off x="2356060" y="2204830"/>
+              <a:ext cx="936130" cy="576080"/>
+            </a:xfrm>
+            <a:prstGeom prst="ellipse">
+              <a:avLst/>
+            </a:prstGeom>
+            <a:solidFill>
+              <a:schemeClr val="bg1"/>
+            </a:solidFill>
+            <a:ln w="12700">
+              <a:solidFill>
+                <a:schemeClr val="tx1">
+                  <a:lumMod val="75000"/>
+                  <a:lumOff val="25000"/>
+                </a:schemeClr>
+              </a:solidFill>
+              <a:round/>
+              <a:headEnd/>
+              <a:tailEnd/>
+            </a:ln>
+            <a:effectLst/>
+          </p:spPr>
+          <p:txBody>
+            <a:bodyPr wrap="square" rtlCol="0" anchor="ctr">
+              <a:noAutofit/>
+            </a:bodyPr>
+            <a:lstStyle/>
+            <a:p>
+              <a:pPr marL="171450" indent="-171450" algn="ctr" eaLnBrk="0" latinLnBrk="0" hangingPunct="0">
+                <a:spcBef>
+                  <a:spcPct val="50000"/>
+                </a:spcBef>
+                <a:buClr>
+                  <a:schemeClr val="tx1"/>
+                </a:buClr>
+                <a:buFont typeface="Wingdings" pitchFamily="2" charset="2"/>
+                <a:buChar char="ü"/>
+              </a:pPr>
+              <a:endParaRPr lang="ko-KR" altLang="en-US" smtClean="0">
+                <a:latin typeface="Optima" pitchFamily="2" charset="2"/>
+              </a:endParaRPr>
+            </a:p>
+          </p:txBody>
+        </p:sp>
+        <p:sp>
+          <p:nvSpPr>
+            <p:cNvPr id="5" name="TextBox 4"/>
+            <p:cNvSpPr txBox="1"/>
+            <p:nvPr/>
+          </p:nvSpPr>
+          <p:spPr bwMode="auto">
+            <a:xfrm>
+              <a:off x="2284050" y="2354370"/>
+              <a:ext cx="1008140" cy="276999"/>
+            </a:xfrm>
+            <a:prstGeom prst="rect">
+              <a:avLst/>
+            </a:prstGeom>
+            <a:noFill/>
+            <a:ln w="12700">
+              <a:noFill/>
+              <a:miter lim="800000"/>
+              <a:headEnd/>
+              <a:tailEnd/>
+            </a:ln>
+            <a:effectLst/>
+          </p:spPr>
+          <p:txBody>
+            <a:bodyPr wrap="square" rtlCol="0">
+              <a:spAutoFit/>
+            </a:bodyPr>
+            <a:lstStyle/>
+            <a:p>
+              <a:pPr algn="l" defTabSz="708025" eaLnBrk="0" latinLnBrk="0" hangingPunct="0">
+                <a:spcBef>
+                  <a:spcPts val="0"/>
+                </a:spcBef>
+                <a:buClr>
+                  <a:schemeClr val="folHlink"/>
+                </a:buClr>
+                <a:buFontTx/>
+                <a:buChar char="-"/>
+              </a:pPr>
+              <a:r>
+                <a:rPr lang="en-US" altLang="ko-KR" dirty="0" smtClean="0">
+                  <a:latin typeface="+mj-lt"/>
+                  <a:ea typeface="+mj-ea"/>
+                </a:rPr>
+                <a:t>Document</a:t>
+              </a:r>
+              <a:endParaRPr lang="ko-KR" altLang="en-US" dirty="0">
+                <a:latin typeface="+mj-lt"/>
+                <a:ea typeface="+mj-ea"/>
+              </a:endParaRPr>
+            </a:p>
+          </p:txBody>
+        </p:sp>
+      </p:grpSp>
+      <p:grpSp>
+        <p:nvGrpSpPr>
+          <p:cNvPr id="7" name="그룹 6"/>
+          <p:cNvGrpSpPr/>
+          <p:nvPr/>
+        </p:nvGrpSpPr>
+        <p:grpSpPr>
+          <a:xfrm>
+            <a:off x="6447930" y="4149130"/>
+            <a:ext cx="1108954" cy="576080"/>
+            <a:chOff x="2284050" y="2204830"/>
+            <a:chExt cx="1008140" cy="576080"/>
+          </a:xfrm>
+        </p:grpSpPr>
+        <p:sp>
+          <p:nvSpPr>
+            <p:cNvPr id="8" name="타원 7"/>
+            <p:cNvSpPr/>
+            <p:nvPr/>
+          </p:nvSpPr>
+          <p:spPr bwMode="auto">
+            <a:xfrm>
+              <a:off x="2356060" y="2204830"/>
+              <a:ext cx="936130" cy="576080"/>
+            </a:xfrm>
+            <a:prstGeom prst="ellipse">
+              <a:avLst/>
+            </a:prstGeom>
+            <a:solidFill>
+              <a:schemeClr val="bg1"/>
+            </a:solidFill>
+            <a:ln w="12700">
+              <a:solidFill>
+                <a:schemeClr val="tx1">
+                  <a:lumMod val="75000"/>
+                  <a:lumOff val="25000"/>
+                </a:schemeClr>
+              </a:solidFill>
+              <a:round/>
+              <a:headEnd/>
+              <a:tailEnd/>
+            </a:ln>
+            <a:effectLst/>
+          </p:spPr>
+          <p:txBody>
+            <a:bodyPr wrap="square" rtlCol="0" anchor="ctr">
+              <a:noAutofit/>
+            </a:bodyPr>
+            <a:lstStyle/>
+            <a:p>
+              <a:pPr marL="171450" indent="-171450" algn="ctr" eaLnBrk="0" latinLnBrk="0" hangingPunct="0">
+                <a:spcBef>
+                  <a:spcPct val="50000"/>
+                </a:spcBef>
+                <a:buClr>
+                  <a:schemeClr val="tx1"/>
+                </a:buClr>
+                <a:buFont typeface="Wingdings" pitchFamily="2" charset="2"/>
+                <a:buChar char="ü"/>
+              </a:pPr>
+              <a:endParaRPr lang="ko-KR" altLang="en-US" smtClean="0">
+                <a:latin typeface="Optima" pitchFamily="2" charset="2"/>
+              </a:endParaRPr>
+            </a:p>
+          </p:txBody>
+        </p:sp>
+        <p:sp>
+          <p:nvSpPr>
+            <p:cNvPr id="9" name="TextBox 8"/>
+            <p:cNvSpPr txBox="1"/>
+            <p:nvPr/>
+          </p:nvSpPr>
+          <p:spPr bwMode="auto">
+            <a:xfrm>
+              <a:off x="2284050" y="2354370"/>
+              <a:ext cx="1008140" cy="276999"/>
+            </a:xfrm>
+            <a:prstGeom prst="rect">
+              <a:avLst/>
+            </a:prstGeom>
+            <a:noFill/>
+            <a:ln w="12700">
+              <a:noFill/>
+              <a:miter lim="800000"/>
+              <a:headEnd/>
+              <a:tailEnd/>
+            </a:ln>
+            <a:effectLst/>
+          </p:spPr>
+          <p:txBody>
+            <a:bodyPr wrap="square" rtlCol="0">
+              <a:spAutoFit/>
+            </a:bodyPr>
+            <a:lstStyle/>
+            <a:p>
+              <a:pPr algn="l" defTabSz="708025" eaLnBrk="0" latinLnBrk="0" hangingPunct="0">
+                <a:spcBef>
+                  <a:spcPts val="0"/>
+                </a:spcBef>
+                <a:buClr>
+                  <a:schemeClr val="folHlink"/>
+                </a:buClr>
+                <a:buFontTx/>
+                <a:buChar char="-"/>
+              </a:pPr>
+              <a:r>
+                <a:rPr lang="en-US" altLang="ko-KR" dirty="0" smtClean="0">
+                  <a:latin typeface="+mj-lt"/>
+                  <a:ea typeface="+mj-ea"/>
+                </a:rPr>
+                <a:t>Document</a:t>
+              </a:r>
+              <a:endParaRPr lang="ko-KR" altLang="en-US" dirty="0">
+                <a:latin typeface="+mj-lt"/>
+                <a:ea typeface="+mj-ea"/>
+              </a:endParaRPr>
+            </a:p>
+          </p:txBody>
+        </p:sp>
+      </p:grpSp>
+      <p:sp>
+        <p:nvSpPr>
+          <p:cNvPr id="10" name="타원 9"/>
+          <p:cNvSpPr/>
+          <p:nvPr/>
+        </p:nvSpPr>
+        <p:spPr bwMode="auto">
+          <a:xfrm>
+            <a:off x="4732390" y="1340710"/>
+            <a:ext cx="1152160" cy="936130"/>
+          </a:xfrm>
+          <a:prstGeom prst="ellipse">
+            <a:avLst/>
+          </a:prstGeom>
+          <a:solidFill>
+            <a:schemeClr val="bg1"/>
+          </a:solidFill>
+          <a:ln w="12700">
+            <a:solidFill>
+              <a:schemeClr val="tx1">
+                <a:lumMod val="75000"/>
+                <a:lumOff val="25000"/>
+              </a:schemeClr>
+            </a:solidFill>
+            <a:round/>
+            <a:headEnd/>
+            <a:tailEnd/>
+          </a:ln>
+          <a:effectLst/>
+        </p:spPr>
+        <p:txBody>
+          <a:bodyPr wrap="square" rtlCol="0" anchor="ctr">
+            <a:noAutofit/>
+          </a:bodyPr>
+          <a:lstStyle/>
+          <a:p>
+            <a:pPr marL="171450" indent="-171450" algn="ctr" eaLnBrk="0" latinLnBrk="0" hangingPunct="0">
+              <a:spcBef>
+                <a:spcPct val="50000"/>
+              </a:spcBef>
+              <a:buClr>
+                <a:schemeClr val="tx1"/>
+              </a:buClr>
+              <a:buFont typeface="Wingdings" pitchFamily="2" charset="2"/>
+              <a:buChar char="ü"/>
+            </a:pPr>
+            <a:endParaRPr lang="ko-KR" altLang="en-US" smtClean="0">
+              <a:latin typeface="Optima" pitchFamily="2" charset="2"/>
+            </a:endParaRPr>
+          </a:p>
+        </p:txBody>
+      </p:sp>
+      <p:cxnSp>
+        <p:nvCxnSpPr>
+          <p:cNvPr id="12" name="꺾인 연결선 11"/>
+          <p:cNvCxnSpPr>
+            <a:stCxn id="4" idx="0"/>
+            <a:endCxn id="8" idx="0"/>
+          </p:cNvCxnSpPr>
+          <p:nvPr/>
+        </p:nvCxnSpPr>
+        <p:spPr bwMode="auto">
+          <a:xfrm rot="16200000" flipH="1">
+            <a:off x="5279819" y="2386936"/>
+            <a:ext cx="13900" cy="3510488"/>
+          </a:xfrm>
+          <a:prstGeom prst="bentConnector3">
+            <a:avLst>
+              <a:gd name="adj1" fmla="val -1644604"/>
+            </a:avLst>
+          </a:prstGeom>
+          <a:noFill/>
+          <a:ln w="12700" cap="flat" cmpd="sng" algn="ctr">
+            <a:solidFill>
+              <a:schemeClr val="tx1">
+                <a:lumMod val="75000"/>
+                <a:lumOff val="25000"/>
+              </a:schemeClr>
+            </a:solidFill>
+            <a:prstDash val="solid"/>
+            <a:round/>
+            <a:headEnd type="none" w="med" len="med"/>
+            <a:tailEnd type="arrow"/>
+          </a:ln>
+          <a:effectLst/>
+        </p:spPr>
+      </p:cxnSp>
+      <p:cxnSp>
+        <p:nvCxnSpPr>
+          <p:cNvPr id="14" name="꺾인 연결선 13"/>
+          <p:cNvCxnSpPr>
+            <a:stCxn id="8" idx="4"/>
+            <a:endCxn id="4" idx="4"/>
+          </p:cNvCxnSpPr>
+          <p:nvPr/>
+        </p:nvCxnSpPr>
+        <p:spPr bwMode="auto">
+          <a:xfrm rot="5400000" flipH="1">
+            <a:off x="5279819" y="2963016"/>
+            <a:ext cx="13900" cy="3510488"/>
+          </a:xfrm>
+          <a:prstGeom prst="bentConnector3">
+            <a:avLst>
+              <a:gd name="adj1" fmla="val -1644604"/>
+            </a:avLst>
+          </a:prstGeom>
+          <a:noFill/>
+          <a:ln w="12700" cap="flat" cmpd="sng" algn="ctr">
+            <a:solidFill>
+              <a:schemeClr val="tx1">
+                <a:lumMod val="75000"/>
+                <a:lumOff val="25000"/>
+              </a:schemeClr>
+            </a:solidFill>
+            <a:prstDash val="solid"/>
+            <a:round/>
+            <a:headEnd type="none" w="med" len="med"/>
+            <a:tailEnd type="arrow"/>
+          </a:ln>
+          <a:effectLst/>
+        </p:spPr>
+      </p:cxnSp>
+      <p:sp>
+        <p:nvSpPr>
+          <p:cNvPr id="15" name="TextBox 14"/>
+          <p:cNvSpPr txBox="1"/>
+          <p:nvPr/>
+        </p:nvSpPr>
+        <p:spPr bwMode="auto">
+          <a:xfrm>
+            <a:off x="4450700" y="3557460"/>
+            <a:ext cx="1997230" cy="276999"/>
+          </a:xfrm>
+          <a:prstGeom prst="rect">
+            <a:avLst/>
+          </a:prstGeom>
+          <a:noFill/>
+          <a:ln w="12700">
+            <a:noFill/>
+            <a:miter lim="800000"/>
+            <a:headEnd/>
+            <a:tailEnd/>
+          </a:ln>
+          <a:effectLst/>
+        </p:spPr>
+        <p:txBody>
+          <a:bodyPr wrap="square" rtlCol="0">
+            <a:spAutoFit/>
+          </a:bodyPr>
+          <a:lstStyle/>
+          <a:p>
+            <a:pPr algn="l" defTabSz="708025" eaLnBrk="0" latinLnBrk="0" hangingPunct="0">
+              <a:spcBef>
+                <a:spcPts val="0"/>
+              </a:spcBef>
+              <a:buClr>
+                <a:schemeClr val="folHlink"/>
+              </a:buClr>
+              <a:buFontTx/>
+              <a:buChar char="-"/>
+            </a:pPr>
+            <a:r>
+              <a:rPr lang="en-US" altLang="ko-KR" dirty="0" smtClean="0">
+                <a:latin typeface="+mj-lt"/>
+                <a:ea typeface="+mj-ea"/>
+              </a:rPr>
+              <a:t>[:IS_REFERENCED_TO]</a:t>
+            </a:r>
+            <a:endParaRPr lang="ko-KR" altLang="en-US" dirty="0">
+              <a:latin typeface="+mj-lt"/>
+              <a:ea typeface="+mj-ea"/>
+            </a:endParaRPr>
+          </a:p>
+        </p:txBody>
+      </p:sp>
+      <p:sp>
+        <p:nvSpPr>
+          <p:cNvPr id="19" name="TextBox 18"/>
+          <p:cNvSpPr txBox="1"/>
+          <p:nvPr/>
+        </p:nvSpPr>
+        <p:spPr bwMode="auto">
+          <a:xfrm>
+            <a:off x="4463400" y="5014360"/>
+            <a:ext cx="1715540" cy="284199"/>
+          </a:xfrm>
+          <a:prstGeom prst="rect">
+            <a:avLst/>
+          </a:prstGeom>
+          <a:noFill/>
+          <a:ln w="12700">
+            <a:noFill/>
+            <a:miter lim="800000"/>
+            <a:headEnd/>
+            <a:tailEnd/>
+          </a:ln>
+          <a:effectLst/>
+        </p:spPr>
+        <p:txBody>
+          <a:bodyPr wrap="square" rtlCol="0">
+            <a:spAutoFit/>
+          </a:bodyPr>
+          <a:lstStyle/>
+          <a:p>
+            <a:pPr algn="l" defTabSz="708025" eaLnBrk="0" latinLnBrk="0" hangingPunct="0">
+              <a:spcBef>
+                <a:spcPts val="0"/>
+              </a:spcBef>
+              <a:buClr>
+                <a:schemeClr val="folHlink"/>
+              </a:buClr>
+              <a:buFontTx/>
+              <a:buChar char="-"/>
+            </a:pPr>
+            <a:r>
+              <a:rPr lang="en-US" altLang="ko-KR" dirty="0" smtClean="0">
+                <a:latin typeface="+mj-lt"/>
+                <a:ea typeface="+mj-ea"/>
+              </a:rPr>
+              <a:t>[:IS_RELATED_TO]</a:t>
+            </a:r>
+            <a:endParaRPr lang="ko-KR" altLang="en-US" dirty="0">
+              <a:latin typeface="+mj-lt"/>
+              <a:ea typeface="+mj-ea"/>
+            </a:endParaRPr>
+          </a:p>
+        </p:txBody>
+      </p:sp>
+      <p:cxnSp>
+        <p:nvCxnSpPr>
+          <p:cNvPr id="21" name="꺾인 연결선 20"/>
+          <p:cNvCxnSpPr>
+            <a:stCxn id="8" idx="6"/>
+            <a:endCxn id="10" idx="6"/>
+          </p:cNvCxnSpPr>
+          <p:nvPr/>
+        </p:nvCxnSpPr>
+        <p:spPr bwMode="auto">
+          <a:xfrm flipH="1" flipV="1">
+            <a:off x="5884550" y="1808775"/>
+            <a:ext cx="1672334" cy="2628395"/>
+          </a:xfrm>
+          <a:prstGeom prst="bentConnector3">
+            <a:avLst>
+              <a:gd name="adj1" fmla="val -13670"/>
+            </a:avLst>
+          </a:prstGeom>
+          <a:noFill/>
+          <a:ln w="12700" cap="flat" cmpd="sng" algn="ctr">
+            <a:solidFill>
+              <a:schemeClr val="tx1">
+                <a:lumMod val="75000"/>
+                <a:lumOff val="25000"/>
+              </a:schemeClr>
+            </a:solidFill>
+            <a:prstDash val="solid"/>
+            <a:round/>
+            <a:headEnd type="none" w="med" len="med"/>
+            <a:tailEnd type="arrow"/>
+          </a:ln>
+          <a:effectLst/>
+        </p:spPr>
+      </p:cxnSp>
+      <p:cxnSp>
+        <p:nvCxnSpPr>
+          <p:cNvPr id="25" name="꺾인 연결선 24"/>
+          <p:cNvCxnSpPr>
+            <a:stCxn id="5" idx="1"/>
+            <a:endCxn id="10" idx="2"/>
+          </p:cNvCxnSpPr>
+          <p:nvPr/>
+        </p:nvCxnSpPr>
+        <p:spPr bwMode="auto">
+          <a:xfrm rot="10800000" flipH="1">
+            <a:off x="2991450" y="1808776"/>
+            <a:ext cx="1740940" cy="2614495"/>
+          </a:xfrm>
+          <a:prstGeom prst="bentConnector3">
+            <a:avLst>
+              <a:gd name="adj1" fmla="val -13131"/>
+            </a:avLst>
+          </a:prstGeom>
+          <a:noFill/>
+          <a:ln w="12700" cap="flat" cmpd="sng" algn="ctr">
+            <a:solidFill>
+              <a:schemeClr val="tx1">
+                <a:lumMod val="75000"/>
+                <a:lumOff val="25000"/>
+              </a:schemeClr>
+            </a:solidFill>
+            <a:prstDash val="solid"/>
+            <a:round/>
+            <a:headEnd type="none" w="med" len="med"/>
+            <a:tailEnd type="arrow"/>
+          </a:ln>
+          <a:effectLst/>
+        </p:spPr>
+      </p:cxnSp>
+      <p:sp>
+        <p:nvSpPr>
+          <p:cNvPr id="26" name="TextBox 25"/>
+          <p:cNvSpPr txBox="1"/>
+          <p:nvPr/>
+        </p:nvSpPr>
+        <p:spPr bwMode="auto">
+          <a:xfrm>
+            <a:off x="4782699" y="1624851"/>
+            <a:ext cx="1008140" cy="307777"/>
+          </a:xfrm>
+          <a:prstGeom prst="rect">
+            <a:avLst/>
+          </a:prstGeom>
+          <a:noFill/>
+          <a:ln w="12700">
+            <a:noFill/>
+            <a:miter lim="800000"/>
+            <a:headEnd/>
+            <a:tailEnd/>
+          </a:ln>
+          <a:effectLst/>
+        </p:spPr>
+        <p:txBody>
+          <a:bodyPr wrap="square" rtlCol="0">
+            <a:spAutoFit/>
+          </a:bodyPr>
+          <a:lstStyle/>
+          <a:p>
+            <a:pPr algn="l" defTabSz="708025" eaLnBrk="0" latinLnBrk="0" hangingPunct="0">
+              <a:spcBef>
+                <a:spcPts val="0"/>
+              </a:spcBef>
+              <a:buClr>
+                <a:schemeClr val="folHlink"/>
+              </a:buClr>
+              <a:buFontTx/>
+              <a:buChar char="-"/>
+            </a:pPr>
+            <a:r>
+              <a:rPr lang="en-US" altLang="ko-KR" sz="1400" dirty="0" err="1" smtClean="0">
+                <a:latin typeface="+mj-lt"/>
+                <a:ea typeface="+mj-ea"/>
+              </a:rPr>
+              <a:t>Achive</a:t>
+            </a:r>
+            <a:endParaRPr lang="ko-KR" altLang="en-US" sz="1400" dirty="0">
+              <a:latin typeface="+mj-lt"/>
+              <a:ea typeface="+mj-ea"/>
+            </a:endParaRPr>
+          </a:p>
+        </p:txBody>
+      </p:sp>
+      <p:sp>
+        <p:nvSpPr>
+          <p:cNvPr id="27" name="TextBox 26"/>
+          <p:cNvSpPr txBox="1"/>
+          <p:nvPr/>
+        </p:nvSpPr>
+        <p:spPr bwMode="auto">
+          <a:xfrm>
+            <a:off x="7828820" y="2780910"/>
+            <a:ext cx="1872260" cy="276999"/>
+          </a:xfrm>
+          <a:prstGeom prst="rect">
+            <a:avLst/>
+          </a:prstGeom>
+          <a:noFill/>
+          <a:ln w="12700">
+            <a:noFill/>
+            <a:miter lim="800000"/>
+            <a:headEnd/>
+            <a:tailEnd/>
+          </a:ln>
+          <a:effectLst/>
+        </p:spPr>
+        <p:txBody>
+          <a:bodyPr wrap="square" rtlCol="0">
+            <a:spAutoFit/>
+          </a:bodyPr>
+          <a:lstStyle/>
+          <a:p>
+            <a:pPr algn="l" defTabSz="708025" eaLnBrk="0" latinLnBrk="0" hangingPunct="0">
+              <a:spcBef>
+                <a:spcPts val="0"/>
+              </a:spcBef>
+              <a:buClr>
+                <a:schemeClr val="folHlink"/>
+              </a:buClr>
+              <a:buFontTx/>
+              <a:buChar char="-"/>
+            </a:pPr>
+            <a:r>
+              <a:rPr lang="en-US" altLang="ko-KR" dirty="0" smtClean="0">
+                <a:latin typeface="+mj-lt"/>
+                <a:ea typeface="+mj-ea"/>
+              </a:rPr>
+              <a:t>[:IS_DOCUMENT_OF]</a:t>
+            </a:r>
+            <a:endParaRPr lang="ko-KR" altLang="en-US" dirty="0">
+              <a:latin typeface="+mj-lt"/>
+              <a:ea typeface="+mj-ea"/>
+            </a:endParaRPr>
+          </a:p>
+        </p:txBody>
+      </p:sp>
+      <p:sp>
+        <p:nvSpPr>
+          <p:cNvPr id="28" name="TextBox 27"/>
+          <p:cNvSpPr txBox="1"/>
+          <p:nvPr/>
+        </p:nvSpPr>
+        <p:spPr bwMode="auto">
+          <a:xfrm>
+            <a:off x="915860" y="2780130"/>
+            <a:ext cx="1872260" cy="276999"/>
+          </a:xfrm>
+          <a:prstGeom prst="rect">
+            <a:avLst/>
+          </a:prstGeom>
+          <a:noFill/>
+          <a:ln w="12700">
+            <a:noFill/>
+            <a:miter lim="800000"/>
+            <a:headEnd/>
+            <a:tailEnd/>
+          </a:ln>
+          <a:effectLst/>
+        </p:spPr>
+        <p:txBody>
+          <a:bodyPr wrap="square" rtlCol="0">
+            <a:spAutoFit/>
+          </a:bodyPr>
+          <a:lstStyle/>
+          <a:p>
+            <a:pPr algn="l" defTabSz="708025" eaLnBrk="0" latinLnBrk="0" hangingPunct="0">
+              <a:spcBef>
+                <a:spcPts val="0"/>
+              </a:spcBef>
+              <a:buClr>
+                <a:schemeClr val="folHlink"/>
+              </a:buClr>
+              <a:buFontTx/>
+              <a:buChar char="-"/>
+            </a:pPr>
+            <a:r>
+              <a:rPr lang="en-US" altLang="ko-KR" dirty="0" smtClean="0">
+                <a:latin typeface="+mj-lt"/>
+                <a:ea typeface="+mj-ea"/>
+              </a:rPr>
+              <a:t>[:IS_DOCUMENT_OF]</a:t>
+            </a:r>
+            <a:endParaRPr lang="ko-KR" altLang="en-US" dirty="0">
+              <a:latin typeface="+mj-lt"/>
+              <a:ea typeface="+mj-ea"/>
+            </a:endParaRPr>
+          </a:p>
+        </p:txBody>
+      </p:sp>
+    </p:spTree>
+    <p:extLst>
+      <p:ext uri="{BB962C8B-B14F-4D97-AF65-F5344CB8AC3E}">
+        <p14:creationId xmlns:p14="http://schemas.microsoft.com/office/powerpoint/2010/main" val="4103395495"/>
+      </p:ext>
+    </p:extLst>
+  </p:cSld>
+  <p:clrMapOvr>
+    <a:masterClrMapping/>
+  </p:clrMapOvr>
+</p:sld>
+</file>
+
+<file path=ppt/slides/slide7.xml><?xml version="1.0" encoding="utf-8"?>
+<p:sld xmlns:a="http://schemas.openxmlformats.org/drawingml/2006/main" xmlns:r="http://schemas.openxmlformats.org/officeDocument/2006/relationships" xmlns:p="http://schemas.openxmlformats.org/presentationml/2006/main">
+  <p:cSld>
+    <p:spTree>
+      <p:nvGrpSpPr>
+        <p:cNvPr id="1" name=""/>
+        <p:cNvGrpSpPr/>
+        <p:nvPr/>
+      </p:nvGrpSpPr>
+      <p:grpSpPr>
+        <a:xfrm>
+          <a:off x="0" y="0"/>
+          <a:ext cx="0" cy="0"/>
+          <a:chOff x="0" y="0"/>
+          <a:chExt cx="0" cy="0"/>
+        </a:xfrm>
+      </p:grpSpPr>
+      <p:sp>
+        <p:nvSpPr>
+          <p:cNvPr id="3" name="제목 2"/>
+          <p:cNvSpPr>
+            <a:spLocks noGrp="1"/>
+          </p:cNvSpPr>
+          <p:nvPr>
+            <p:ph type="title"/>
+          </p:nvPr>
+        </p:nvSpPr>
+        <p:spPr/>
+        <p:txBody>
+          <a:bodyPr/>
+          <a:lstStyle/>
+          <a:p>
+            <a:r>
+              <a:rPr lang="en-US" altLang="ko-KR" dirty="0" smtClean="0"/>
+              <a:t>Document-Tag</a:t>
+            </a:r>
+            <a:endParaRPr lang="ko-KR" altLang="en-US" dirty="0"/>
+          </a:p>
+        </p:txBody>
+      </p:sp>
+      <p:sp>
+        <p:nvSpPr>
+          <p:cNvPr id="4" name="타원 3"/>
+          <p:cNvSpPr/>
+          <p:nvPr/>
+        </p:nvSpPr>
+        <p:spPr bwMode="auto">
+          <a:xfrm>
+            <a:off x="5020430" y="1983700"/>
+            <a:ext cx="864120" cy="792110"/>
+          </a:xfrm>
+          <a:prstGeom prst="ellipse">
+            <a:avLst/>
+          </a:prstGeom>
+          <a:solidFill>
+            <a:schemeClr val="bg1"/>
+          </a:solidFill>
+          <a:ln w="12700">
+            <a:solidFill>
+              <a:schemeClr val="tx1">
+                <a:lumMod val="75000"/>
+                <a:lumOff val="25000"/>
+              </a:schemeClr>
+            </a:solidFill>
+            <a:round/>
+            <a:headEnd/>
+            <a:tailEnd/>
+          </a:ln>
+          <a:effectLst/>
+        </p:spPr>
+        <p:txBody>
+          <a:bodyPr wrap="square" rtlCol="0" anchor="ctr">
+            <a:noAutofit/>
+          </a:bodyPr>
+          <a:lstStyle/>
+          <a:p>
+            <a:pPr marL="171450" indent="-171450" algn="ctr" eaLnBrk="0" latinLnBrk="0" hangingPunct="0">
+              <a:spcBef>
+                <a:spcPct val="50000"/>
+              </a:spcBef>
+              <a:buClr>
+                <a:schemeClr val="tx1"/>
+              </a:buClr>
+              <a:buFont typeface="Wingdings" pitchFamily="2" charset="2"/>
+              <a:buChar char="ü"/>
+            </a:pPr>
+            <a:endParaRPr lang="ko-KR" altLang="en-US" smtClean="0">
+              <a:latin typeface="Optima" pitchFamily="2" charset="2"/>
+            </a:endParaRPr>
+          </a:p>
+        </p:txBody>
+      </p:sp>
+      <p:sp>
+        <p:nvSpPr>
+          <p:cNvPr id="5" name="타원 4"/>
+          <p:cNvSpPr/>
+          <p:nvPr/>
+        </p:nvSpPr>
+        <p:spPr bwMode="auto">
+          <a:xfrm>
+            <a:off x="7890080" y="4557855"/>
+            <a:ext cx="864120" cy="792110"/>
+          </a:xfrm>
+          <a:prstGeom prst="ellipse">
+            <a:avLst/>
+          </a:prstGeom>
+          <a:solidFill>
+            <a:schemeClr val="bg1"/>
+          </a:solidFill>
+          <a:ln w="12700">
+            <a:solidFill>
+              <a:schemeClr val="tx1">
+                <a:lumMod val="75000"/>
+                <a:lumOff val="25000"/>
+              </a:schemeClr>
+            </a:solidFill>
+            <a:round/>
+            <a:headEnd/>
+            <a:tailEnd/>
+          </a:ln>
+          <a:effectLst/>
+        </p:spPr>
+        <p:txBody>
+          <a:bodyPr wrap="square" rtlCol="0" anchor="ctr">
+            <a:noAutofit/>
+          </a:bodyPr>
+          <a:lstStyle/>
+          <a:p>
+            <a:pPr marL="171450" indent="-171450" algn="ctr" eaLnBrk="0" latinLnBrk="0" hangingPunct="0">
+              <a:spcBef>
+                <a:spcPct val="50000"/>
+              </a:spcBef>
+              <a:buClr>
+                <a:schemeClr val="tx1"/>
+              </a:buClr>
+              <a:buFont typeface="Wingdings" pitchFamily="2" charset="2"/>
+              <a:buChar char="ü"/>
+            </a:pPr>
+            <a:endParaRPr lang="ko-KR" altLang="en-US" smtClean="0">
+              <a:latin typeface="Optima" pitchFamily="2" charset="2"/>
+            </a:endParaRPr>
+          </a:p>
+        </p:txBody>
+      </p:sp>
+      <p:sp>
+        <p:nvSpPr>
+          <p:cNvPr id="6" name="타원 5"/>
+          <p:cNvSpPr/>
+          <p:nvPr/>
+        </p:nvSpPr>
+        <p:spPr bwMode="auto">
+          <a:xfrm>
+            <a:off x="5076133" y="4673857"/>
+            <a:ext cx="864120" cy="792110"/>
+          </a:xfrm>
+          <a:prstGeom prst="ellipse">
+            <a:avLst/>
+          </a:prstGeom>
+          <a:solidFill>
+            <a:schemeClr val="bg1"/>
+          </a:solidFill>
+          <a:ln w="12700">
+            <a:solidFill>
+              <a:schemeClr val="tx1">
+                <a:lumMod val="75000"/>
+                <a:lumOff val="25000"/>
+              </a:schemeClr>
+            </a:solidFill>
+            <a:round/>
+            <a:headEnd/>
+            <a:tailEnd/>
+          </a:ln>
+          <a:effectLst/>
+        </p:spPr>
+        <p:txBody>
+          <a:bodyPr wrap="square" rtlCol="0" anchor="ctr">
+            <a:noAutofit/>
+          </a:bodyPr>
+          <a:lstStyle/>
+          <a:p>
+            <a:pPr marL="171450" indent="-171450" algn="ctr" eaLnBrk="0" latinLnBrk="0" hangingPunct="0">
+              <a:spcBef>
+                <a:spcPct val="50000"/>
+              </a:spcBef>
+              <a:buClr>
+                <a:schemeClr val="tx1"/>
+              </a:buClr>
+              <a:buFont typeface="Wingdings" pitchFamily="2" charset="2"/>
+              <a:buChar char="ü"/>
+            </a:pPr>
+            <a:endParaRPr lang="ko-KR" altLang="en-US" smtClean="0">
+              <a:latin typeface="Optima" pitchFamily="2" charset="2"/>
+            </a:endParaRPr>
+          </a:p>
+        </p:txBody>
+      </p:sp>
+      <p:sp>
+        <p:nvSpPr>
+          <p:cNvPr id="7" name="타원 6"/>
+          <p:cNvSpPr/>
+          <p:nvPr/>
+        </p:nvSpPr>
+        <p:spPr bwMode="auto">
+          <a:xfrm>
+            <a:off x="2356060" y="4557855"/>
+            <a:ext cx="864120" cy="792110"/>
+          </a:xfrm>
+          <a:prstGeom prst="ellipse">
+            <a:avLst/>
+          </a:prstGeom>
+          <a:solidFill>
+            <a:schemeClr val="bg1"/>
+          </a:solidFill>
+          <a:ln w="12700">
+            <a:solidFill>
+              <a:schemeClr val="tx1">
+                <a:lumMod val="75000"/>
+                <a:lumOff val="25000"/>
+              </a:schemeClr>
+            </a:solidFill>
+            <a:round/>
+            <a:headEnd/>
+            <a:tailEnd/>
+          </a:ln>
+          <a:effectLst/>
+        </p:spPr>
+        <p:txBody>
+          <a:bodyPr wrap="square" rtlCol="0" anchor="ctr">
+            <a:noAutofit/>
+          </a:bodyPr>
+          <a:lstStyle/>
+          <a:p>
+            <a:pPr marL="171450" indent="-171450" algn="ctr" eaLnBrk="0" latinLnBrk="0" hangingPunct="0">
+              <a:spcBef>
+                <a:spcPct val="50000"/>
+              </a:spcBef>
+              <a:buClr>
+                <a:schemeClr val="tx1"/>
+              </a:buClr>
+              <a:buFont typeface="Wingdings" pitchFamily="2" charset="2"/>
+              <a:buChar char="ü"/>
+            </a:pPr>
+            <a:endParaRPr lang="ko-KR" altLang="en-US" smtClean="0">
+              <a:latin typeface="Optima" pitchFamily="2" charset="2"/>
+            </a:endParaRPr>
+          </a:p>
+        </p:txBody>
+      </p:sp>
+      <p:cxnSp>
+        <p:nvCxnSpPr>
+          <p:cNvPr id="9" name="직선 화살표 연결선 8"/>
+          <p:cNvCxnSpPr>
+            <a:stCxn id="6" idx="0"/>
+            <a:endCxn id="4" idx="4"/>
+          </p:cNvCxnSpPr>
+          <p:nvPr/>
+        </p:nvCxnSpPr>
+        <p:spPr bwMode="auto">
+          <a:xfrm flipH="1" flipV="1">
+            <a:off x="5452490" y="2775810"/>
+            <a:ext cx="55703" cy="1898047"/>
+          </a:xfrm>
+          <a:prstGeom prst="straightConnector1">
+            <a:avLst/>
+          </a:prstGeom>
+          <a:noFill/>
+          <a:ln w="12700" cap="flat" cmpd="sng" algn="ctr">
+            <a:solidFill>
+              <a:schemeClr val="tx1">
+                <a:lumMod val="75000"/>
+                <a:lumOff val="25000"/>
+              </a:schemeClr>
+            </a:solidFill>
+            <a:prstDash val="solid"/>
+            <a:round/>
+            <a:headEnd type="none" w="med" len="med"/>
+            <a:tailEnd type="arrow"/>
+          </a:ln>
+          <a:effectLst/>
+        </p:spPr>
+      </p:cxnSp>
+      <p:cxnSp>
+        <p:nvCxnSpPr>
+          <p:cNvPr id="11" name="직선 화살표 연결선 10"/>
+          <p:cNvCxnSpPr>
+            <a:stCxn id="7" idx="7"/>
+            <a:endCxn id="4" idx="3"/>
+          </p:cNvCxnSpPr>
+          <p:nvPr/>
+        </p:nvCxnSpPr>
+        <p:spPr bwMode="auto">
+          <a:xfrm flipV="1">
+            <a:off x="3093633" y="2659808"/>
+            <a:ext cx="2053344" cy="2014049"/>
+          </a:xfrm>
+          <a:prstGeom prst="straightConnector1">
+            <a:avLst/>
+          </a:prstGeom>
+          <a:noFill/>
+          <a:ln w="12700" cap="flat" cmpd="sng" algn="ctr">
+            <a:solidFill>
+              <a:schemeClr val="tx1">
+                <a:lumMod val="75000"/>
+                <a:lumOff val="25000"/>
+              </a:schemeClr>
+            </a:solidFill>
+            <a:prstDash val="solid"/>
+            <a:round/>
+            <a:headEnd type="none" w="med" len="med"/>
+            <a:tailEnd type="arrow"/>
+          </a:ln>
+          <a:effectLst/>
+        </p:spPr>
+      </p:cxnSp>
+      <p:cxnSp>
+        <p:nvCxnSpPr>
+          <p:cNvPr id="13" name="직선 화살표 연결선 12"/>
+          <p:cNvCxnSpPr>
+            <a:stCxn id="5" idx="1"/>
+            <a:endCxn id="4" idx="5"/>
+          </p:cNvCxnSpPr>
+          <p:nvPr/>
+        </p:nvCxnSpPr>
+        <p:spPr bwMode="auto">
+          <a:xfrm flipH="1" flipV="1">
+            <a:off x="5758003" y="2659808"/>
+            <a:ext cx="2258624" cy="2014049"/>
+          </a:xfrm>
+          <a:prstGeom prst="straightConnector1">
+            <a:avLst/>
+          </a:prstGeom>
+          <a:noFill/>
+          <a:ln w="12700" cap="flat" cmpd="sng" algn="ctr">
+            <a:solidFill>
+              <a:schemeClr val="tx1">
+                <a:lumMod val="75000"/>
+                <a:lumOff val="25000"/>
+              </a:schemeClr>
+            </a:solidFill>
+            <a:prstDash val="solid"/>
+            <a:round/>
+            <a:headEnd type="none" w="med" len="med"/>
+            <a:tailEnd type="arrow"/>
+          </a:ln>
+          <a:effectLst/>
+        </p:spPr>
+      </p:cxnSp>
+      <p:sp>
+        <p:nvSpPr>
+          <p:cNvPr id="14" name="TextBox 13"/>
+          <p:cNvSpPr txBox="1"/>
+          <p:nvPr/>
+        </p:nvSpPr>
+        <p:spPr bwMode="auto">
+          <a:xfrm>
+            <a:off x="2572090" y="3284980"/>
+            <a:ext cx="1656230" cy="276999"/>
+          </a:xfrm>
+          <a:prstGeom prst="rect">
+            <a:avLst/>
+          </a:prstGeom>
+          <a:noFill/>
+          <a:ln w="12700">
+            <a:noFill/>
+            <a:miter lim="800000"/>
+            <a:headEnd/>
+            <a:tailEnd/>
+          </a:ln>
+          <a:effectLst/>
+        </p:spPr>
+        <p:txBody>
+          <a:bodyPr wrap="square" rtlCol="0">
+            <a:spAutoFit/>
+          </a:bodyPr>
+          <a:lstStyle/>
+          <a:p>
+            <a:pPr algn="l" defTabSz="708025" eaLnBrk="0" latinLnBrk="0" hangingPunct="0">
+              <a:spcBef>
+                <a:spcPts val="0"/>
+              </a:spcBef>
+              <a:buClr>
+                <a:schemeClr val="folHlink"/>
+              </a:buClr>
+              <a:buFontTx/>
+              <a:buChar char="-"/>
+            </a:pPr>
+            <a:r>
+              <a:rPr lang="en-US" altLang="ko-KR" dirty="0" smtClean="0">
+                <a:latin typeface="+mj-lt"/>
+                <a:ea typeface="+mj-ea"/>
+              </a:rPr>
+              <a:t>[:IS_TAGGED_TO]</a:t>
+            </a:r>
+            <a:endParaRPr lang="ko-KR" altLang="en-US" dirty="0">
+              <a:latin typeface="+mj-lt"/>
+              <a:ea typeface="+mj-ea"/>
+            </a:endParaRPr>
+          </a:p>
+        </p:txBody>
+      </p:sp>
+      <p:sp>
+        <p:nvSpPr>
+          <p:cNvPr id="20" name="TextBox 19"/>
+          <p:cNvSpPr txBox="1"/>
+          <p:nvPr/>
+        </p:nvSpPr>
+        <p:spPr bwMode="auto">
+          <a:xfrm>
+            <a:off x="4624505" y="3284979"/>
+            <a:ext cx="1656230" cy="276999"/>
+          </a:xfrm>
+          <a:prstGeom prst="rect">
+            <a:avLst/>
+          </a:prstGeom>
+          <a:noFill/>
+          <a:ln w="12700">
+            <a:noFill/>
+            <a:miter lim="800000"/>
+            <a:headEnd/>
+            <a:tailEnd/>
+          </a:ln>
+          <a:effectLst/>
+        </p:spPr>
+        <p:txBody>
+          <a:bodyPr wrap="square" rtlCol="0">
+            <a:spAutoFit/>
+          </a:bodyPr>
+          <a:lstStyle/>
+          <a:p>
+            <a:pPr algn="l" defTabSz="708025" eaLnBrk="0" latinLnBrk="0" hangingPunct="0">
+              <a:spcBef>
+                <a:spcPts val="0"/>
+              </a:spcBef>
+              <a:buClr>
+                <a:schemeClr val="folHlink"/>
+              </a:buClr>
+              <a:buFontTx/>
+              <a:buChar char="-"/>
+            </a:pPr>
+            <a:r>
+              <a:rPr lang="en-US" altLang="ko-KR" dirty="0" smtClean="0">
+                <a:latin typeface="+mj-lt"/>
+                <a:ea typeface="+mj-ea"/>
+              </a:rPr>
+              <a:t>[:IS_TAGGED_TO]</a:t>
+            </a:r>
+            <a:endParaRPr lang="ko-KR" altLang="en-US" dirty="0">
+              <a:latin typeface="+mj-lt"/>
+              <a:ea typeface="+mj-ea"/>
+            </a:endParaRPr>
+          </a:p>
+        </p:txBody>
+      </p:sp>
+      <p:sp>
+        <p:nvSpPr>
+          <p:cNvPr id="21" name="TextBox 20"/>
+          <p:cNvSpPr txBox="1"/>
+          <p:nvPr/>
+        </p:nvSpPr>
+        <p:spPr bwMode="auto">
+          <a:xfrm>
+            <a:off x="6814755" y="3270864"/>
+            <a:ext cx="1656230" cy="276999"/>
+          </a:xfrm>
+          <a:prstGeom prst="rect">
+            <a:avLst/>
+          </a:prstGeom>
+          <a:noFill/>
+          <a:ln w="12700">
+            <a:noFill/>
+            <a:miter lim="800000"/>
+            <a:headEnd/>
+            <a:tailEnd/>
+          </a:ln>
+          <a:effectLst/>
+        </p:spPr>
+        <p:txBody>
+          <a:bodyPr wrap="square" rtlCol="0">
+            <a:spAutoFit/>
+          </a:bodyPr>
+          <a:lstStyle/>
+          <a:p>
+            <a:pPr algn="l" defTabSz="708025" eaLnBrk="0" latinLnBrk="0" hangingPunct="0">
+              <a:spcBef>
+                <a:spcPts val="0"/>
+              </a:spcBef>
+              <a:buClr>
+                <a:schemeClr val="folHlink"/>
+              </a:buClr>
+              <a:buFontTx/>
+              <a:buChar char="-"/>
+            </a:pPr>
+            <a:r>
+              <a:rPr lang="en-US" altLang="ko-KR" dirty="0" smtClean="0">
+                <a:latin typeface="+mj-lt"/>
+                <a:ea typeface="+mj-ea"/>
+              </a:rPr>
+              <a:t>[:IS_TAGGED_TO]</a:t>
+            </a:r>
+            <a:endParaRPr lang="ko-KR" altLang="en-US" dirty="0">
+              <a:latin typeface="+mj-lt"/>
+              <a:ea typeface="+mj-ea"/>
+            </a:endParaRPr>
+          </a:p>
+        </p:txBody>
+      </p:sp>
+      <p:sp>
+        <p:nvSpPr>
+          <p:cNvPr id="27" name="TextBox 26"/>
+          <p:cNvSpPr txBox="1"/>
+          <p:nvPr/>
+        </p:nvSpPr>
+        <p:spPr bwMode="auto">
+          <a:xfrm>
+            <a:off x="5020430" y="2244583"/>
+            <a:ext cx="864120" cy="307777"/>
+          </a:xfrm>
+          <a:prstGeom prst="rect">
+            <a:avLst/>
+          </a:prstGeom>
+          <a:noFill/>
+          <a:ln w="12700">
+            <a:noFill/>
+            <a:miter lim="800000"/>
+            <a:headEnd/>
+            <a:tailEnd/>
+          </a:ln>
+          <a:effectLst/>
+        </p:spPr>
+        <p:txBody>
+          <a:bodyPr wrap="square" rtlCol="0">
+            <a:spAutoFit/>
+          </a:bodyPr>
+          <a:lstStyle/>
+          <a:p>
+            <a:pPr algn="l" defTabSz="708025" eaLnBrk="0" latinLnBrk="0" hangingPunct="0">
+              <a:spcBef>
+                <a:spcPts val="0"/>
+              </a:spcBef>
+              <a:buClr>
+                <a:schemeClr val="folHlink"/>
+              </a:buClr>
+              <a:buFontTx/>
+              <a:buChar char="-"/>
+            </a:pPr>
+            <a:r>
+              <a:rPr lang="en-US" altLang="ko-KR" sz="1400" dirty="0" smtClean="0">
+                <a:latin typeface="+mj-lt"/>
+                <a:ea typeface="+mj-ea"/>
+              </a:rPr>
+              <a:t>Tag</a:t>
+            </a:r>
+            <a:endParaRPr lang="ko-KR" altLang="en-US" sz="1400" dirty="0">
+              <a:latin typeface="+mj-lt"/>
+              <a:ea typeface="+mj-ea"/>
+            </a:endParaRPr>
+          </a:p>
+        </p:txBody>
+      </p:sp>
+      <p:sp>
+        <p:nvSpPr>
+          <p:cNvPr id="28" name="TextBox 27"/>
+          <p:cNvSpPr txBox="1"/>
+          <p:nvPr/>
+        </p:nvSpPr>
+        <p:spPr bwMode="auto">
+          <a:xfrm>
+            <a:off x="2211063" y="4815410"/>
+            <a:ext cx="1080150" cy="276999"/>
+          </a:xfrm>
+          <a:prstGeom prst="rect">
+            <a:avLst/>
+          </a:prstGeom>
+          <a:noFill/>
+          <a:ln w="12700">
+            <a:noFill/>
+            <a:miter lim="800000"/>
+            <a:headEnd/>
+            <a:tailEnd/>
+          </a:ln>
+          <a:effectLst/>
+        </p:spPr>
+        <p:txBody>
+          <a:bodyPr wrap="square" rtlCol="0">
+            <a:spAutoFit/>
+          </a:bodyPr>
+          <a:lstStyle/>
+          <a:p>
+            <a:pPr algn="l" defTabSz="708025" eaLnBrk="0" latinLnBrk="0" hangingPunct="0">
+              <a:spcBef>
+                <a:spcPts val="0"/>
+              </a:spcBef>
+              <a:buClr>
+                <a:schemeClr val="folHlink"/>
+              </a:buClr>
+              <a:buFontTx/>
+              <a:buChar char="-"/>
+            </a:pPr>
+            <a:r>
+              <a:rPr lang="en-US" altLang="ko-KR" dirty="0" smtClean="0">
+                <a:latin typeface="+mj-lt"/>
+                <a:ea typeface="+mj-ea"/>
+              </a:rPr>
+              <a:t>Document</a:t>
+            </a:r>
+            <a:endParaRPr lang="ko-KR" altLang="en-US" dirty="0">
+              <a:latin typeface="+mj-lt"/>
+              <a:ea typeface="+mj-ea"/>
+            </a:endParaRPr>
+          </a:p>
+        </p:txBody>
+      </p:sp>
+      <p:sp>
+        <p:nvSpPr>
+          <p:cNvPr id="30" name="TextBox 29"/>
+          <p:cNvSpPr txBox="1"/>
+          <p:nvPr/>
+        </p:nvSpPr>
+        <p:spPr bwMode="auto">
+          <a:xfrm>
+            <a:off x="4968118" y="4931412"/>
+            <a:ext cx="1080150" cy="276999"/>
+          </a:xfrm>
+          <a:prstGeom prst="rect">
+            <a:avLst/>
+          </a:prstGeom>
+          <a:noFill/>
+          <a:ln w="12700">
+            <a:noFill/>
+            <a:miter lim="800000"/>
+            <a:headEnd/>
+            <a:tailEnd/>
+          </a:ln>
+          <a:effectLst/>
+        </p:spPr>
+        <p:txBody>
+          <a:bodyPr wrap="square" rtlCol="0">
+            <a:spAutoFit/>
+          </a:bodyPr>
+          <a:lstStyle/>
+          <a:p>
+            <a:pPr algn="l" defTabSz="708025" eaLnBrk="0" latinLnBrk="0" hangingPunct="0">
+              <a:spcBef>
+                <a:spcPts val="0"/>
+              </a:spcBef>
+              <a:buClr>
+                <a:schemeClr val="folHlink"/>
+              </a:buClr>
+              <a:buFontTx/>
+              <a:buChar char="-"/>
+            </a:pPr>
+            <a:r>
+              <a:rPr lang="en-US" altLang="ko-KR" dirty="0" smtClean="0">
+                <a:latin typeface="+mj-lt"/>
+                <a:ea typeface="+mj-ea"/>
+              </a:rPr>
+              <a:t>Document</a:t>
+            </a:r>
+            <a:endParaRPr lang="ko-KR" altLang="en-US" dirty="0">
+              <a:latin typeface="+mj-lt"/>
+              <a:ea typeface="+mj-ea"/>
+            </a:endParaRPr>
+          </a:p>
+        </p:txBody>
+      </p:sp>
+      <p:sp>
+        <p:nvSpPr>
+          <p:cNvPr id="31" name="TextBox 30"/>
+          <p:cNvSpPr txBox="1"/>
+          <p:nvPr/>
+        </p:nvSpPr>
+        <p:spPr bwMode="auto">
+          <a:xfrm>
+            <a:off x="7756665" y="4816319"/>
+            <a:ext cx="1080151" cy="276999"/>
+          </a:xfrm>
+          <a:prstGeom prst="rect">
+            <a:avLst/>
+          </a:prstGeom>
+          <a:noFill/>
+          <a:ln w="12700">
+            <a:noFill/>
+            <a:miter lim="800000"/>
+            <a:headEnd/>
+            <a:tailEnd/>
+          </a:ln>
+          <a:effectLst/>
+        </p:spPr>
+        <p:txBody>
+          <a:bodyPr wrap="square" rtlCol="0">
+            <a:spAutoFit/>
+          </a:bodyPr>
+          <a:lstStyle/>
+          <a:p>
+            <a:pPr algn="l" defTabSz="708025" eaLnBrk="0" latinLnBrk="0" hangingPunct="0">
+              <a:spcBef>
+                <a:spcPts val="0"/>
+              </a:spcBef>
+              <a:buClr>
+                <a:schemeClr val="folHlink"/>
+              </a:buClr>
+              <a:buFontTx/>
+              <a:buChar char="-"/>
+            </a:pPr>
+            <a:r>
+              <a:rPr lang="en-US" altLang="ko-KR" dirty="0" smtClean="0">
+                <a:latin typeface="+mj-lt"/>
+                <a:ea typeface="+mj-ea"/>
+              </a:rPr>
+              <a:t>Document</a:t>
+            </a:r>
+            <a:endParaRPr lang="ko-KR" altLang="en-US" dirty="0">
+              <a:latin typeface="+mj-lt"/>
+              <a:ea typeface="+mj-ea"/>
+            </a:endParaRPr>
+          </a:p>
+        </p:txBody>
+      </p:sp>
+    </p:spTree>
+    <p:extLst>
+      <p:ext uri="{BB962C8B-B14F-4D97-AF65-F5344CB8AC3E}">
+        <p14:creationId xmlns:p14="http://schemas.microsoft.com/office/powerpoint/2010/main" val="2773561551"/>
+      </p:ext>
+    </p:extLst>
+  </p:cSld>
+  <p:clrMapOvr>
+    <a:masterClrMapping/>
+  </p:clrMapOvr>
+</p:sld>
+</file>
+
+<file path=ppt/slides/slide8.xml><?xml version="1.0" encoding="utf-8"?>
+<p:sld xmlns:a="http://schemas.openxmlformats.org/drawingml/2006/main" xmlns:r="http://schemas.openxmlformats.org/officeDocument/2006/relationships" xmlns:p="http://schemas.openxmlformats.org/presentationml/2006/main">
+  <p:cSld>
+    <p:spTree>
+      <p:nvGrpSpPr>
+        <p:cNvPr id="1" name=""/>
+        <p:cNvGrpSpPr/>
+        <p:nvPr/>
+      </p:nvGrpSpPr>
+      <p:grpSpPr>
+        <a:xfrm>
+          <a:off x="0" y="0"/>
+          <a:ext cx="0" cy="0"/>
+          <a:chOff x="0" y="0"/>
+          <a:chExt cx="0" cy="0"/>
+        </a:xfrm>
+      </p:grpSpPr>
+      <p:sp>
+        <p:nvSpPr>
+          <p:cNvPr id="3" name="제목 2"/>
+          <p:cNvSpPr>
+            <a:spLocks noGrp="1"/>
+          </p:cNvSpPr>
+          <p:nvPr>
+            <p:ph type="title"/>
+          </p:nvPr>
+        </p:nvSpPr>
+        <p:spPr/>
+        <p:txBody>
+          <a:bodyPr/>
+          <a:lstStyle/>
+          <a:p>
+            <a:r>
+              <a:rPr lang="en-US" altLang="ko-KR" dirty="0" smtClean="0"/>
+              <a:t>Tag-Tag</a:t>
+            </a:r>
+            <a:endParaRPr lang="ko-KR" altLang="en-US" dirty="0"/>
+          </a:p>
+        </p:txBody>
+      </p:sp>
+      <p:sp>
+        <p:nvSpPr>
+          <p:cNvPr id="4" name="타원 3"/>
+          <p:cNvSpPr/>
+          <p:nvPr/>
+        </p:nvSpPr>
+        <p:spPr bwMode="auto">
+          <a:xfrm>
+            <a:off x="2812350" y="3055155"/>
+            <a:ext cx="767880" cy="576080"/>
+          </a:xfrm>
+          <a:prstGeom prst="ellipse">
+            <a:avLst/>
+          </a:prstGeom>
+          <a:solidFill>
+            <a:schemeClr val="bg1"/>
+          </a:solidFill>
+          <a:ln w="12700">
+            <a:solidFill>
+              <a:schemeClr val="tx1">
+                <a:lumMod val="75000"/>
+                <a:lumOff val="25000"/>
+              </a:schemeClr>
+            </a:solidFill>
+            <a:round/>
+            <a:headEnd/>
+            <a:tailEnd/>
+          </a:ln>
+          <a:effectLst/>
+        </p:spPr>
+        <p:txBody>
+          <a:bodyPr wrap="square" rtlCol="0" anchor="ctr">
+            <a:noAutofit/>
+          </a:bodyPr>
+          <a:lstStyle/>
+          <a:p>
+            <a:pPr marL="171450" indent="-171450" algn="ctr" eaLnBrk="0" latinLnBrk="0" hangingPunct="0">
+              <a:spcBef>
+                <a:spcPct val="50000"/>
+              </a:spcBef>
+              <a:buClr>
+                <a:schemeClr val="tx1"/>
+              </a:buClr>
+              <a:buFont typeface="Wingdings" pitchFamily="2" charset="2"/>
+              <a:buChar char="ü"/>
+            </a:pPr>
+            <a:endParaRPr lang="ko-KR" altLang="en-US" smtClean="0">
+              <a:latin typeface="Optima" pitchFamily="2" charset="2"/>
+            </a:endParaRPr>
+          </a:p>
+        </p:txBody>
+      </p:sp>
+      <p:sp>
+        <p:nvSpPr>
+          <p:cNvPr id="5" name="TextBox 4"/>
+          <p:cNvSpPr txBox="1"/>
+          <p:nvPr/>
+        </p:nvSpPr>
+        <p:spPr bwMode="auto">
+          <a:xfrm>
+            <a:off x="2812350" y="3189306"/>
+            <a:ext cx="936130" cy="307777"/>
+          </a:xfrm>
+          <a:prstGeom prst="rect">
+            <a:avLst/>
+          </a:prstGeom>
+          <a:noFill/>
+          <a:ln w="12700">
+            <a:noFill/>
+            <a:miter lim="800000"/>
+            <a:headEnd/>
+            <a:tailEnd/>
+          </a:ln>
+          <a:effectLst/>
+        </p:spPr>
+        <p:txBody>
+          <a:bodyPr wrap="square" rtlCol="0">
+            <a:spAutoFit/>
+          </a:bodyPr>
+          <a:lstStyle/>
+          <a:p>
+            <a:pPr algn="l" defTabSz="708025" eaLnBrk="0" latinLnBrk="0" hangingPunct="0">
+              <a:spcBef>
+                <a:spcPts val="0"/>
+              </a:spcBef>
+              <a:buClr>
+                <a:schemeClr val="folHlink"/>
+              </a:buClr>
+              <a:buFontTx/>
+              <a:buChar char="-"/>
+            </a:pPr>
+            <a:r>
+              <a:rPr lang="en-US" altLang="ko-KR" sz="1400" dirty="0" smtClean="0">
+                <a:latin typeface="+mj-lt"/>
+                <a:ea typeface="+mj-ea"/>
+              </a:rPr>
+              <a:t>Tag</a:t>
+            </a:r>
+            <a:endParaRPr lang="ko-KR" altLang="en-US" sz="1400" dirty="0">
+              <a:latin typeface="+mj-lt"/>
+              <a:ea typeface="+mj-ea"/>
+            </a:endParaRPr>
+          </a:p>
+        </p:txBody>
+      </p:sp>
+      <p:sp>
+        <p:nvSpPr>
+          <p:cNvPr id="6" name="타원 5"/>
+          <p:cNvSpPr/>
+          <p:nvPr/>
+        </p:nvSpPr>
+        <p:spPr bwMode="auto">
+          <a:xfrm>
+            <a:off x="7036710" y="3065297"/>
+            <a:ext cx="767880" cy="576080"/>
+          </a:xfrm>
+          <a:prstGeom prst="ellipse">
+            <a:avLst/>
+          </a:prstGeom>
+          <a:solidFill>
+            <a:schemeClr val="bg1"/>
+          </a:solidFill>
+          <a:ln w="12700">
+            <a:solidFill>
+              <a:schemeClr val="tx1">
+                <a:lumMod val="75000"/>
+                <a:lumOff val="25000"/>
+              </a:schemeClr>
+            </a:solidFill>
+            <a:round/>
+            <a:headEnd/>
+            <a:tailEnd/>
+          </a:ln>
+          <a:effectLst/>
+        </p:spPr>
+        <p:txBody>
+          <a:bodyPr wrap="square" rtlCol="0" anchor="ctr">
+            <a:noAutofit/>
+          </a:bodyPr>
+          <a:lstStyle/>
+          <a:p>
+            <a:pPr marL="171450" indent="-171450" algn="ctr" eaLnBrk="0" latinLnBrk="0" hangingPunct="0">
+              <a:spcBef>
+                <a:spcPct val="50000"/>
+              </a:spcBef>
+              <a:buClr>
+                <a:schemeClr val="tx1"/>
+              </a:buClr>
+              <a:buFont typeface="Wingdings" pitchFamily="2" charset="2"/>
+              <a:buChar char="ü"/>
+            </a:pPr>
+            <a:endParaRPr lang="ko-KR" altLang="en-US" smtClean="0">
+              <a:latin typeface="Optima" pitchFamily="2" charset="2"/>
+            </a:endParaRPr>
+          </a:p>
+        </p:txBody>
+      </p:sp>
+      <p:sp>
+        <p:nvSpPr>
+          <p:cNvPr id="7" name="TextBox 6"/>
+          <p:cNvSpPr txBox="1"/>
+          <p:nvPr/>
+        </p:nvSpPr>
+        <p:spPr bwMode="auto">
+          <a:xfrm>
+            <a:off x="7036710" y="3189307"/>
+            <a:ext cx="936130" cy="307777"/>
+          </a:xfrm>
+          <a:prstGeom prst="rect">
+            <a:avLst/>
+          </a:prstGeom>
+          <a:noFill/>
+          <a:ln w="12700">
+            <a:noFill/>
+            <a:miter lim="800000"/>
+            <a:headEnd/>
+            <a:tailEnd/>
+          </a:ln>
+          <a:effectLst/>
+        </p:spPr>
+        <p:txBody>
+          <a:bodyPr wrap="square" rtlCol="0">
+            <a:spAutoFit/>
+          </a:bodyPr>
+          <a:lstStyle/>
+          <a:p>
+            <a:pPr algn="l" defTabSz="708025" eaLnBrk="0" latinLnBrk="0" hangingPunct="0">
+              <a:spcBef>
+                <a:spcPts val="0"/>
+              </a:spcBef>
+              <a:buClr>
+                <a:schemeClr val="folHlink"/>
+              </a:buClr>
+              <a:buFontTx/>
+              <a:buChar char="-"/>
+            </a:pPr>
+            <a:r>
+              <a:rPr lang="en-US" altLang="ko-KR" sz="1400" dirty="0" smtClean="0">
+                <a:latin typeface="+mj-lt"/>
+                <a:ea typeface="+mj-ea"/>
+              </a:rPr>
+              <a:t>Tag</a:t>
+            </a:r>
+            <a:endParaRPr lang="ko-KR" altLang="en-US" sz="1400" dirty="0">
+              <a:latin typeface="+mj-lt"/>
+              <a:ea typeface="+mj-ea"/>
+            </a:endParaRPr>
+          </a:p>
+        </p:txBody>
+      </p:sp>
+      <p:cxnSp>
+        <p:nvCxnSpPr>
+          <p:cNvPr id="9" name="직선 화살표 연결선 8"/>
+          <p:cNvCxnSpPr>
+            <a:stCxn id="4" idx="5"/>
+            <a:endCxn id="4" idx="5"/>
+          </p:cNvCxnSpPr>
+          <p:nvPr/>
+        </p:nvCxnSpPr>
+        <p:spPr bwMode="auto">
+          <a:xfrm>
+            <a:off x="3467777" y="3546870"/>
+            <a:ext cx="0" cy="0"/>
+          </a:xfrm>
+          <a:prstGeom prst="straightConnector1">
+            <a:avLst/>
+          </a:prstGeom>
+          <a:noFill/>
+          <a:ln w="12700" cap="flat" cmpd="sng" algn="ctr">
+            <a:solidFill>
+              <a:schemeClr val="tx1">
+                <a:lumMod val="75000"/>
+                <a:lumOff val="25000"/>
+              </a:schemeClr>
+            </a:solidFill>
+            <a:prstDash val="solid"/>
+            <a:round/>
+            <a:headEnd type="none" w="med" len="med"/>
+            <a:tailEnd type="arrow"/>
+          </a:ln>
+          <a:effectLst/>
+        </p:spPr>
+      </p:cxnSp>
+      <p:cxnSp>
+        <p:nvCxnSpPr>
+          <p:cNvPr id="11" name="직선 화살표 연결선 10"/>
+          <p:cNvCxnSpPr>
+            <a:stCxn id="6" idx="2"/>
+          </p:cNvCxnSpPr>
+          <p:nvPr/>
+        </p:nvCxnSpPr>
+        <p:spPr bwMode="auto">
+          <a:xfrm flipH="1">
+            <a:off x="3580230" y="3353337"/>
+            <a:ext cx="3456480" cy="0"/>
+          </a:xfrm>
+          <a:prstGeom prst="straightConnector1">
+            <a:avLst/>
+          </a:prstGeom>
+          <a:noFill/>
+          <a:ln w="12700" cap="flat" cmpd="sng" algn="ctr">
+            <a:solidFill>
+              <a:schemeClr val="tx1">
+                <a:lumMod val="75000"/>
+                <a:lumOff val="25000"/>
+              </a:schemeClr>
+            </a:solidFill>
+            <a:prstDash val="solid"/>
+            <a:round/>
+            <a:headEnd type="none" w="med" len="med"/>
+            <a:tailEnd type="arrow"/>
+          </a:ln>
+          <a:effectLst/>
+        </p:spPr>
+      </p:cxnSp>
+      <p:sp>
+        <p:nvSpPr>
+          <p:cNvPr id="14" name="TextBox 13"/>
+          <p:cNvSpPr txBox="1"/>
+          <p:nvPr/>
+        </p:nvSpPr>
+        <p:spPr bwMode="auto">
+          <a:xfrm>
+            <a:off x="4588370" y="3055155"/>
+            <a:ext cx="1656230" cy="276999"/>
+          </a:xfrm>
+          <a:prstGeom prst="rect">
+            <a:avLst/>
+          </a:prstGeom>
+          <a:noFill/>
+          <a:ln w="12700">
+            <a:noFill/>
+            <a:miter lim="800000"/>
+            <a:headEnd/>
+            <a:tailEnd/>
+          </a:ln>
+          <a:effectLst/>
+        </p:spPr>
+        <p:txBody>
+          <a:bodyPr wrap="square" rtlCol="0">
+            <a:spAutoFit/>
+          </a:bodyPr>
+          <a:lstStyle/>
+          <a:p>
+            <a:pPr algn="l" defTabSz="708025" eaLnBrk="0" latinLnBrk="0" hangingPunct="0">
+              <a:spcBef>
+                <a:spcPts val="0"/>
+              </a:spcBef>
+              <a:buClr>
+                <a:schemeClr val="folHlink"/>
+              </a:buClr>
+              <a:buFontTx/>
+              <a:buChar char="-"/>
+            </a:pPr>
+            <a:r>
+              <a:rPr lang="en-US" altLang="ko-KR" dirty="0" smtClean="0">
+                <a:latin typeface="+mj-lt"/>
+                <a:ea typeface="+mj-ea"/>
+              </a:rPr>
+              <a:t>[:IS_RELATED_TO]</a:t>
+            </a:r>
+            <a:endParaRPr lang="ko-KR" altLang="en-US" dirty="0">
+              <a:latin typeface="+mj-lt"/>
+              <a:ea typeface="+mj-ea"/>
+            </a:endParaRPr>
+          </a:p>
+        </p:txBody>
+      </p:sp>
+    </p:spTree>
+    <p:extLst>
+      <p:ext uri="{BB962C8B-B14F-4D97-AF65-F5344CB8AC3E}">
+        <p14:creationId xmlns:p14="http://schemas.microsoft.com/office/powerpoint/2010/main" val="413581225"/>
+      </p:ext>
+    </p:extLst>
+  </p:cSld>
+  <p:clrMapOvr>
+    <a:masterClrMapping/>
+  </p:clrMapOvr>
+</p:sld>
+</file>
+
+<file path=ppt/slides/slide9.xml><?xml version="1.0" encoding="utf-8"?>
+<p:sld xmlns:a="http://schemas.openxmlformats.org/drawingml/2006/main" xmlns:r="http://schemas.openxmlformats.org/officeDocument/2006/relationships" xmlns:p="http://schemas.openxmlformats.org/presentationml/2006/main">
+  <p:cSld>
+    <p:spTree>
+      <p:nvGrpSpPr>
+        <p:cNvPr id="1" name=""/>
+        <p:cNvGrpSpPr/>
+        <p:nvPr/>
+      </p:nvGrpSpPr>
+      <p:grpSpPr>
+        <a:xfrm>
+          <a:off x="0" y="0"/>
+          <a:ext cx="0" cy="0"/>
+          <a:chOff x="0" y="0"/>
+          <a:chExt cx="0" cy="0"/>
+        </a:xfrm>
+      </p:grpSpPr>
+      <p:sp>
+        <p:nvSpPr>
+          <p:cNvPr id="3" name="제목 2"/>
+          <p:cNvSpPr>
+            <a:spLocks noGrp="1"/>
+          </p:cNvSpPr>
+          <p:nvPr>
+            <p:ph type="title"/>
+          </p:nvPr>
+        </p:nvSpPr>
+        <p:spPr/>
+        <p:txBody>
+          <a:bodyPr/>
+          <a:lstStyle/>
+          <a:p>
+            <a:r>
+              <a:rPr lang="en-US" altLang="ko-KR" dirty="0" smtClean="0"/>
+              <a:t>Archive-External Archive</a:t>
+            </a:r>
+            <a:endParaRPr lang="ko-KR" altLang="en-US" dirty="0"/>
+          </a:p>
+        </p:txBody>
+      </p:sp>
+      <p:grpSp>
+        <p:nvGrpSpPr>
+          <p:cNvPr id="6" name="그룹 5"/>
+          <p:cNvGrpSpPr/>
+          <p:nvPr/>
+        </p:nvGrpSpPr>
+        <p:grpSpPr>
+          <a:xfrm>
+            <a:off x="2572090" y="1700759"/>
+            <a:ext cx="1008140" cy="720100"/>
+            <a:chOff x="1851990" y="1700760"/>
+            <a:chExt cx="1008140" cy="720100"/>
+          </a:xfrm>
+        </p:grpSpPr>
+        <p:sp>
+          <p:nvSpPr>
+            <p:cNvPr id="4" name="타원 3"/>
+            <p:cNvSpPr/>
+            <p:nvPr/>
+          </p:nvSpPr>
+          <p:spPr bwMode="auto">
+            <a:xfrm>
+              <a:off x="1851990" y="1700760"/>
+              <a:ext cx="936130" cy="720100"/>
+            </a:xfrm>
+            <a:prstGeom prst="ellipse">
+              <a:avLst/>
+            </a:prstGeom>
+            <a:solidFill>
+              <a:schemeClr val="bg1"/>
+            </a:solidFill>
+            <a:ln w="12700">
+              <a:solidFill>
+                <a:schemeClr val="tx1">
+                  <a:lumMod val="75000"/>
+                  <a:lumOff val="25000"/>
+                </a:schemeClr>
+              </a:solidFill>
+              <a:round/>
+              <a:headEnd/>
+              <a:tailEnd/>
+            </a:ln>
+            <a:effectLst/>
+          </p:spPr>
+          <p:txBody>
+            <a:bodyPr wrap="square" rtlCol="0" anchor="ctr">
+              <a:noAutofit/>
+            </a:bodyPr>
+            <a:lstStyle/>
+            <a:p>
+              <a:pPr marL="171450" indent="-171450" algn="ctr" eaLnBrk="0" latinLnBrk="0" hangingPunct="0">
+                <a:spcBef>
+                  <a:spcPct val="50000"/>
+                </a:spcBef>
+                <a:buClr>
+                  <a:schemeClr val="tx1"/>
+                </a:buClr>
+                <a:buFont typeface="Wingdings" pitchFamily="2" charset="2"/>
+                <a:buChar char="ü"/>
+              </a:pPr>
+              <a:endParaRPr lang="ko-KR" altLang="en-US" smtClean="0">
+                <a:latin typeface="Optima" pitchFamily="2" charset="2"/>
+              </a:endParaRPr>
+            </a:p>
+          </p:txBody>
+        </p:sp>
+        <p:sp>
+          <p:nvSpPr>
+            <p:cNvPr id="5" name="TextBox 4"/>
+            <p:cNvSpPr txBox="1"/>
+            <p:nvPr/>
+          </p:nvSpPr>
+          <p:spPr bwMode="auto">
+            <a:xfrm>
+              <a:off x="1851990" y="1922310"/>
+              <a:ext cx="1008140" cy="276999"/>
+            </a:xfrm>
+            <a:prstGeom prst="rect">
+              <a:avLst/>
+            </a:prstGeom>
+            <a:noFill/>
+            <a:ln w="12700">
+              <a:noFill/>
+              <a:miter lim="800000"/>
+              <a:headEnd/>
+              <a:tailEnd/>
+            </a:ln>
+            <a:effectLst/>
+          </p:spPr>
+          <p:txBody>
+            <a:bodyPr wrap="square" rtlCol="0">
+              <a:spAutoFit/>
+            </a:bodyPr>
+            <a:lstStyle/>
+            <a:p>
+              <a:pPr algn="l" defTabSz="708025" eaLnBrk="0" latinLnBrk="0" hangingPunct="0">
+                <a:spcBef>
+                  <a:spcPts val="0"/>
+                </a:spcBef>
+                <a:buClr>
+                  <a:schemeClr val="folHlink"/>
+                </a:buClr>
+                <a:buFontTx/>
+                <a:buChar char="-"/>
+              </a:pPr>
+              <a:r>
+                <a:rPr lang="en-US" altLang="ko-KR" dirty="0" smtClean="0">
+                  <a:latin typeface="+mj-lt"/>
+                  <a:ea typeface="+mj-ea"/>
+                </a:rPr>
+                <a:t>Archive</a:t>
+              </a:r>
+              <a:endParaRPr lang="ko-KR" altLang="en-US" dirty="0">
+                <a:latin typeface="+mj-lt"/>
+                <a:ea typeface="+mj-ea"/>
+              </a:endParaRPr>
+            </a:p>
+          </p:txBody>
+        </p:sp>
+      </p:grpSp>
+      <p:grpSp>
+        <p:nvGrpSpPr>
+          <p:cNvPr id="7" name="그룹 6"/>
+          <p:cNvGrpSpPr/>
+          <p:nvPr/>
+        </p:nvGrpSpPr>
+        <p:grpSpPr>
+          <a:xfrm>
+            <a:off x="7468770" y="1700759"/>
+            <a:ext cx="1008140" cy="720100"/>
+            <a:chOff x="1851990" y="1700760"/>
+            <a:chExt cx="1008140" cy="720100"/>
+          </a:xfrm>
+        </p:grpSpPr>
+        <p:sp>
+          <p:nvSpPr>
+            <p:cNvPr id="8" name="타원 7"/>
+            <p:cNvSpPr/>
+            <p:nvPr/>
+          </p:nvSpPr>
+          <p:spPr bwMode="auto">
+            <a:xfrm>
+              <a:off x="1851990" y="1700760"/>
+              <a:ext cx="936130" cy="720100"/>
+            </a:xfrm>
+            <a:prstGeom prst="ellipse">
+              <a:avLst/>
+            </a:prstGeom>
+            <a:solidFill>
+              <a:schemeClr val="bg1"/>
+            </a:solidFill>
+            <a:ln w="12700">
+              <a:solidFill>
+                <a:schemeClr val="tx1">
+                  <a:lumMod val="75000"/>
+                  <a:lumOff val="25000"/>
+                </a:schemeClr>
+              </a:solidFill>
+              <a:round/>
+              <a:headEnd/>
+              <a:tailEnd/>
+            </a:ln>
+            <a:effectLst/>
+          </p:spPr>
+          <p:txBody>
+            <a:bodyPr wrap="square" rtlCol="0" anchor="ctr">
+              <a:noAutofit/>
+            </a:bodyPr>
+            <a:lstStyle/>
+            <a:p>
+              <a:pPr marL="171450" indent="-171450" algn="ctr" eaLnBrk="0" latinLnBrk="0" hangingPunct="0">
+                <a:spcBef>
+                  <a:spcPct val="50000"/>
+                </a:spcBef>
+                <a:buClr>
+                  <a:schemeClr val="tx1"/>
+                </a:buClr>
+                <a:buFont typeface="Wingdings" pitchFamily="2" charset="2"/>
+                <a:buChar char="ü"/>
+              </a:pPr>
+              <a:endParaRPr lang="ko-KR" altLang="en-US" smtClean="0">
+                <a:latin typeface="Optima" pitchFamily="2" charset="2"/>
+              </a:endParaRPr>
+            </a:p>
+          </p:txBody>
+        </p:sp>
+        <p:sp>
+          <p:nvSpPr>
+            <p:cNvPr id="9" name="TextBox 8"/>
+            <p:cNvSpPr txBox="1"/>
+            <p:nvPr/>
+          </p:nvSpPr>
+          <p:spPr bwMode="auto">
+            <a:xfrm>
+              <a:off x="1851990" y="1922310"/>
+              <a:ext cx="1008140" cy="276999"/>
+            </a:xfrm>
+            <a:prstGeom prst="rect">
+              <a:avLst/>
+            </a:prstGeom>
+            <a:noFill/>
+            <a:ln w="12700">
+              <a:noFill/>
+              <a:miter lim="800000"/>
+              <a:headEnd/>
+              <a:tailEnd/>
+            </a:ln>
+            <a:effectLst/>
+          </p:spPr>
+          <p:txBody>
+            <a:bodyPr wrap="square" rtlCol="0">
+              <a:spAutoFit/>
+            </a:bodyPr>
+            <a:lstStyle/>
+            <a:p>
+              <a:pPr algn="l" defTabSz="708025" eaLnBrk="0" latinLnBrk="0" hangingPunct="0">
+                <a:spcBef>
+                  <a:spcPts val="0"/>
+                </a:spcBef>
+                <a:buClr>
+                  <a:schemeClr val="folHlink"/>
+                </a:buClr>
+                <a:buFontTx/>
+                <a:buChar char="-"/>
+              </a:pPr>
+              <a:r>
+                <a:rPr lang="en-US" altLang="ko-KR" dirty="0" smtClean="0">
+                  <a:latin typeface="+mj-lt"/>
+                  <a:ea typeface="+mj-ea"/>
+                </a:rPr>
+                <a:t>Archive</a:t>
+              </a:r>
+              <a:endParaRPr lang="ko-KR" altLang="en-US" dirty="0">
+                <a:latin typeface="+mj-lt"/>
+                <a:ea typeface="+mj-ea"/>
+              </a:endParaRPr>
+            </a:p>
+          </p:txBody>
+        </p:sp>
+      </p:grpSp>
+      <p:grpSp>
+        <p:nvGrpSpPr>
+          <p:cNvPr id="24" name="그룹 23"/>
+          <p:cNvGrpSpPr/>
+          <p:nvPr/>
+        </p:nvGrpSpPr>
+        <p:grpSpPr>
+          <a:xfrm>
+            <a:off x="1292945" y="4705659"/>
+            <a:ext cx="1152160" cy="576080"/>
+            <a:chOff x="1311915" y="4437140"/>
+            <a:chExt cx="1152160" cy="576080"/>
+          </a:xfrm>
+        </p:grpSpPr>
+        <p:sp>
+          <p:nvSpPr>
+            <p:cNvPr id="22" name="타원 21"/>
+            <p:cNvSpPr/>
+            <p:nvPr/>
+          </p:nvSpPr>
+          <p:spPr bwMode="auto">
+            <a:xfrm>
+              <a:off x="1311915" y="4437140"/>
+              <a:ext cx="1152159" cy="576080"/>
+            </a:xfrm>
+            <a:prstGeom prst="ellipse">
+              <a:avLst/>
+            </a:prstGeom>
+            <a:solidFill>
+              <a:schemeClr val="bg1"/>
+            </a:solidFill>
+            <a:ln w="12700">
+              <a:solidFill>
+                <a:schemeClr val="tx1">
+                  <a:lumMod val="75000"/>
+                  <a:lumOff val="25000"/>
+                </a:schemeClr>
+              </a:solidFill>
+              <a:round/>
+              <a:headEnd/>
+              <a:tailEnd/>
+            </a:ln>
+            <a:effectLst/>
+          </p:spPr>
+          <p:txBody>
+            <a:bodyPr wrap="square" rtlCol="0" anchor="ctr">
+              <a:noAutofit/>
+            </a:bodyPr>
+            <a:lstStyle/>
+            <a:p>
+              <a:pPr marL="171450" indent="-171450" algn="ctr" eaLnBrk="0" latinLnBrk="0" hangingPunct="0">
+                <a:spcBef>
+                  <a:spcPct val="50000"/>
+                </a:spcBef>
+                <a:buClr>
+                  <a:schemeClr val="tx1"/>
+                </a:buClr>
+                <a:buFont typeface="Wingdings" pitchFamily="2" charset="2"/>
+                <a:buChar char="ü"/>
+              </a:pPr>
+              <a:endParaRPr lang="ko-KR" altLang="en-US" smtClean="0">
+                <a:latin typeface="Optima" pitchFamily="2" charset="2"/>
+              </a:endParaRPr>
+            </a:p>
+          </p:txBody>
+        </p:sp>
+        <p:sp>
+          <p:nvSpPr>
+            <p:cNvPr id="23" name="TextBox 22"/>
+            <p:cNvSpPr txBox="1"/>
+            <p:nvPr/>
+          </p:nvSpPr>
+          <p:spPr bwMode="auto">
+            <a:xfrm>
+              <a:off x="1311915" y="4557740"/>
+              <a:ext cx="1152160" cy="276999"/>
+            </a:xfrm>
+            <a:prstGeom prst="rect">
+              <a:avLst/>
+            </a:prstGeom>
+            <a:noFill/>
+            <a:ln w="12700">
+              <a:noFill/>
+              <a:miter lim="800000"/>
+              <a:headEnd/>
+              <a:tailEnd/>
+            </a:ln>
+            <a:effectLst/>
+          </p:spPr>
+          <p:txBody>
+            <a:bodyPr wrap="square" rtlCol="0">
+              <a:spAutoFit/>
+            </a:bodyPr>
+            <a:lstStyle/>
+            <a:p>
+              <a:pPr algn="l" defTabSz="708025" eaLnBrk="0" latinLnBrk="0" hangingPunct="0">
+                <a:spcBef>
+                  <a:spcPts val="0"/>
+                </a:spcBef>
+                <a:buClr>
+                  <a:schemeClr val="folHlink"/>
+                </a:buClr>
+                <a:buFontTx/>
+                <a:buChar char="-"/>
+              </a:pPr>
+              <a:r>
+                <a:rPr lang="en-US" altLang="ko-KR" dirty="0" smtClean="0">
+                  <a:latin typeface="+mj-lt"/>
+                  <a:ea typeface="+mj-ea"/>
+                </a:rPr>
+                <a:t>Document</a:t>
+              </a:r>
+              <a:endParaRPr lang="ko-KR" altLang="en-US" dirty="0">
+                <a:latin typeface="+mj-lt"/>
+                <a:ea typeface="+mj-ea"/>
+              </a:endParaRPr>
+            </a:p>
+          </p:txBody>
+        </p:sp>
+      </p:grpSp>
+      <p:grpSp>
+        <p:nvGrpSpPr>
+          <p:cNvPr id="25" name="그룹 24"/>
+          <p:cNvGrpSpPr/>
+          <p:nvPr/>
+        </p:nvGrpSpPr>
+        <p:grpSpPr>
+          <a:xfrm>
+            <a:off x="6388620" y="4726900"/>
+            <a:ext cx="1152160" cy="576080"/>
+            <a:chOff x="1311915" y="4437140"/>
+            <a:chExt cx="1152160" cy="576080"/>
+          </a:xfrm>
+        </p:grpSpPr>
+        <p:sp>
+          <p:nvSpPr>
+            <p:cNvPr id="26" name="타원 25"/>
+            <p:cNvSpPr/>
+            <p:nvPr/>
+          </p:nvSpPr>
+          <p:spPr bwMode="auto">
+            <a:xfrm>
+              <a:off x="1311915" y="4437140"/>
+              <a:ext cx="1152159" cy="576080"/>
+            </a:xfrm>
+            <a:prstGeom prst="ellipse">
+              <a:avLst/>
+            </a:prstGeom>
+            <a:solidFill>
+              <a:schemeClr val="bg1"/>
+            </a:solidFill>
+            <a:ln w="12700">
+              <a:solidFill>
+                <a:schemeClr val="tx1">
+                  <a:lumMod val="75000"/>
+                  <a:lumOff val="25000"/>
+                </a:schemeClr>
+              </a:solidFill>
+              <a:round/>
+              <a:headEnd/>
+              <a:tailEnd/>
+            </a:ln>
+            <a:effectLst/>
+          </p:spPr>
+          <p:txBody>
+            <a:bodyPr wrap="square" rtlCol="0" anchor="ctr">
+              <a:noAutofit/>
+            </a:bodyPr>
+            <a:lstStyle/>
+            <a:p>
+              <a:pPr marL="171450" indent="-171450" algn="ctr" eaLnBrk="0" latinLnBrk="0" hangingPunct="0">
+                <a:spcBef>
+                  <a:spcPct val="50000"/>
+                </a:spcBef>
+                <a:buClr>
+                  <a:schemeClr val="tx1"/>
+                </a:buClr>
+                <a:buFont typeface="Wingdings" pitchFamily="2" charset="2"/>
+                <a:buChar char="ü"/>
+              </a:pPr>
+              <a:endParaRPr lang="ko-KR" altLang="en-US" smtClean="0">
+                <a:latin typeface="Optima" pitchFamily="2" charset="2"/>
+              </a:endParaRPr>
+            </a:p>
+          </p:txBody>
+        </p:sp>
+        <p:sp>
+          <p:nvSpPr>
+            <p:cNvPr id="27" name="TextBox 26"/>
+            <p:cNvSpPr txBox="1"/>
+            <p:nvPr/>
+          </p:nvSpPr>
+          <p:spPr bwMode="auto">
+            <a:xfrm>
+              <a:off x="1311915" y="4557740"/>
+              <a:ext cx="1152160" cy="276999"/>
+            </a:xfrm>
+            <a:prstGeom prst="rect">
+              <a:avLst/>
+            </a:prstGeom>
+            <a:noFill/>
+            <a:ln w="12700">
+              <a:noFill/>
+              <a:miter lim="800000"/>
+              <a:headEnd/>
+              <a:tailEnd/>
+            </a:ln>
+            <a:effectLst/>
+          </p:spPr>
+          <p:txBody>
+            <a:bodyPr wrap="square" rtlCol="0">
+              <a:spAutoFit/>
+            </a:bodyPr>
+            <a:lstStyle/>
+            <a:p>
+              <a:pPr algn="l" defTabSz="708025" eaLnBrk="0" latinLnBrk="0" hangingPunct="0">
+                <a:spcBef>
+                  <a:spcPts val="0"/>
+                </a:spcBef>
+                <a:buClr>
+                  <a:schemeClr val="folHlink"/>
+                </a:buClr>
+                <a:buFontTx/>
+                <a:buChar char="-"/>
+              </a:pPr>
+              <a:r>
+                <a:rPr lang="en-US" altLang="ko-KR" dirty="0" smtClean="0">
+                  <a:latin typeface="+mj-lt"/>
+                  <a:ea typeface="+mj-ea"/>
+                </a:rPr>
+                <a:t>Document</a:t>
+              </a:r>
+              <a:endParaRPr lang="ko-KR" altLang="en-US" dirty="0">
+                <a:latin typeface="+mj-lt"/>
+                <a:ea typeface="+mj-ea"/>
+              </a:endParaRPr>
+            </a:p>
+          </p:txBody>
+        </p:sp>
+      </p:grpSp>
+      <p:grpSp>
+        <p:nvGrpSpPr>
+          <p:cNvPr id="28" name="그룹 27"/>
+          <p:cNvGrpSpPr/>
+          <p:nvPr/>
+        </p:nvGrpSpPr>
+        <p:grpSpPr>
+          <a:xfrm>
+            <a:off x="8764950" y="4726900"/>
+            <a:ext cx="1152160" cy="576080"/>
+            <a:chOff x="1311915" y="4437140"/>
+            <a:chExt cx="1152160" cy="576080"/>
+          </a:xfrm>
+        </p:grpSpPr>
+        <p:sp>
+          <p:nvSpPr>
+            <p:cNvPr id="29" name="타원 28"/>
+            <p:cNvSpPr/>
+            <p:nvPr/>
+          </p:nvSpPr>
+          <p:spPr bwMode="auto">
+            <a:xfrm>
+              <a:off x="1311915" y="4437140"/>
+              <a:ext cx="1152159" cy="576080"/>
+            </a:xfrm>
+            <a:prstGeom prst="ellipse">
+              <a:avLst/>
+            </a:prstGeom>
+            <a:solidFill>
+              <a:schemeClr val="bg1"/>
+            </a:solidFill>
+            <a:ln w="12700">
+              <a:solidFill>
+                <a:schemeClr val="tx1">
+                  <a:lumMod val="75000"/>
+                  <a:lumOff val="25000"/>
+                </a:schemeClr>
+              </a:solidFill>
+              <a:round/>
+              <a:headEnd/>
+              <a:tailEnd/>
+            </a:ln>
+            <a:effectLst/>
+          </p:spPr>
+          <p:txBody>
+            <a:bodyPr wrap="square" rtlCol="0" anchor="ctr">
+              <a:noAutofit/>
+            </a:bodyPr>
+            <a:lstStyle/>
+            <a:p>
+              <a:pPr marL="171450" indent="-171450" algn="ctr" eaLnBrk="0" latinLnBrk="0" hangingPunct="0">
+                <a:spcBef>
+                  <a:spcPct val="50000"/>
+                </a:spcBef>
+                <a:buClr>
+                  <a:schemeClr val="tx1"/>
+                </a:buClr>
+                <a:buFont typeface="Wingdings" pitchFamily="2" charset="2"/>
+                <a:buChar char="ü"/>
+              </a:pPr>
+              <a:endParaRPr lang="ko-KR" altLang="en-US" smtClean="0">
+                <a:latin typeface="Optima" pitchFamily="2" charset="2"/>
+              </a:endParaRPr>
+            </a:p>
+          </p:txBody>
+        </p:sp>
+        <p:sp>
+          <p:nvSpPr>
+            <p:cNvPr id="30" name="TextBox 29"/>
+            <p:cNvSpPr txBox="1"/>
+            <p:nvPr/>
+          </p:nvSpPr>
+          <p:spPr bwMode="auto">
+            <a:xfrm>
+              <a:off x="1311915" y="4557740"/>
+              <a:ext cx="1152160" cy="276999"/>
+            </a:xfrm>
+            <a:prstGeom prst="rect">
+              <a:avLst/>
+            </a:prstGeom>
+            <a:noFill/>
+            <a:ln w="12700">
+              <a:noFill/>
+              <a:miter lim="800000"/>
+              <a:headEnd/>
+              <a:tailEnd/>
+            </a:ln>
+            <a:effectLst/>
+          </p:spPr>
+          <p:txBody>
+            <a:bodyPr wrap="square" rtlCol="0">
+              <a:spAutoFit/>
+            </a:bodyPr>
+            <a:lstStyle/>
+            <a:p>
+              <a:pPr algn="l" defTabSz="708025" eaLnBrk="0" latinLnBrk="0" hangingPunct="0">
+                <a:spcBef>
+                  <a:spcPts val="0"/>
+                </a:spcBef>
+                <a:buClr>
+                  <a:schemeClr val="folHlink"/>
+                </a:buClr>
+                <a:buFontTx/>
+                <a:buChar char="-"/>
+              </a:pPr>
+              <a:r>
+                <a:rPr lang="en-US" altLang="ko-KR" dirty="0" smtClean="0">
+                  <a:latin typeface="+mj-lt"/>
+                  <a:ea typeface="+mj-ea"/>
+                </a:rPr>
+                <a:t>Document</a:t>
+              </a:r>
+              <a:endParaRPr lang="ko-KR" altLang="en-US" dirty="0">
+                <a:latin typeface="+mj-lt"/>
+                <a:ea typeface="+mj-ea"/>
+              </a:endParaRPr>
+            </a:p>
+          </p:txBody>
+        </p:sp>
+      </p:grpSp>
+      <p:grpSp>
+        <p:nvGrpSpPr>
+          <p:cNvPr id="31" name="그룹 30"/>
+          <p:cNvGrpSpPr/>
+          <p:nvPr/>
+        </p:nvGrpSpPr>
+        <p:grpSpPr>
+          <a:xfrm>
+            <a:off x="3508220" y="4705659"/>
+            <a:ext cx="1152160" cy="576080"/>
+            <a:chOff x="1311915" y="4437140"/>
+            <a:chExt cx="1152160" cy="576080"/>
+          </a:xfrm>
+        </p:grpSpPr>
+        <p:sp>
+          <p:nvSpPr>
+            <p:cNvPr id="32" name="타원 31"/>
+            <p:cNvSpPr/>
+            <p:nvPr/>
+          </p:nvSpPr>
+          <p:spPr bwMode="auto">
+            <a:xfrm>
+              <a:off x="1311915" y="4437140"/>
+              <a:ext cx="1152159" cy="576080"/>
+            </a:xfrm>
+            <a:prstGeom prst="ellipse">
+              <a:avLst/>
+            </a:prstGeom>
+            <a:solidFill>
+              <a:schemeClr val="bg1"/>
+            </a:solidFill>
+            <a:ln w="12700">
+              <a:solidFill>
+                <a:schemeClr val="tx1">
+                  <a:lumMod val="75000"/>
+                  <a:lumOff val="25000"/>
+                </a:schemeClr>
+              </a:solidFill>
+              <a:round/>
+              <a:headEnd/>
+              <a:tailEnd/>
+            </a:ln>
+            <a:effectLst/>
+          </p:spPr>
+          <p:txBody>
+            <a:bodyPr wrap="square" rtlCol="0" anchor="ctr">
+              <a:noAutofit/>
+            </a:bodyPr>
+            <a:lstStyle/>
+            <a:p>
+              <a:pPr marL="171450" indent="-171450" algn="ctr" eaLnBrk="0" latinLnBrk="0" hangingPunct="0">
+                <a:spcBef>
+                  <a:spcPct val="50000"/>
+                </a:spcBef>
+                <a:buClr>
+                  <a:schemeClr val="tx1"/>
+                </a:buClr>
+                <a:buFont typeface="Wingdings" pitchFamily="2" charset="2"/>
+                <a:buChar char="ü"/>
+              </a:pPr>
+              <a:endParaRPr lang="ko-KR" altLang="en-US" smtClean="0">
+                <a:latin typeface="Optima" pitchFamily="2" charset="2"/>
+              </a:endParaRPr>
+            </a:p>
+          </p:txBody>
+        </p:sp>
+        <p:sp>
+          <p:nvSpPr>
+            <p:cNvPr id="33" name="TextBox 32"/>
+            <p:cNvSpPr txBox="1"/>
+            <p:nvPr/>
+          </p:nvSpPr>
+          <p:spPr bwMode="auto">
+            <a:xfrm>
+              <a:off x="1311915" y="4557740"/>
+              <a:ext cx="1152160" cy="276999"/>
+            </a:xfrm>
+            <a:prstGeom prst="rect">
+              <a:avLst/>
+            </a:prstGeom>
+            <a:noFill/>
+            <a:ln w="12700">
+              <a:noFill/>
+              <a:miter lim="800000"/>
+              <a:headEnd/>
+              <a:tailEnd/>
+            </a:ln>
+            <a:effectLst/>
+          </p:spPr>
+          <p:txBody>
+            <a:bodyPr wrap="square" rtlCol="0">
+              <a:spAutoFit/>
+            </a:bodyPr>
+            <a:lstStyle/>
+            <a:p>
+              <a:pPr algn="l" defTabSz="708025" eaLnBrk="0" latinLnBrk="0" hangingPunct="0">
+                <a:spcBef>
+                  <a:spcPts val="0"/>
+                </a:spcBef>
+                <a:buClr>
+                  <a:schemeClr val="folHlink"/>
+                </a:buClr>
+                <a:buFontTx/>
+                <a:buChar char="-"/>
+              </a:pPr>
+              <a:r>
+                <a:rPr lang="en-US" altLang="ko-KR" dirty="0" smtClean="0">
+                  <a:latin typeface="+mj-lt"/>
+                  <a:ea typeface="+mj-ea"/>
+                </a:rPr>
+                <a:t>Document</a:t>
+              </a:r>
+              <a:endParaRPr lang="ko-KR" altLang="en-US" dirty="0">
+                <a:latin typeface="+mj-lt"/>
+                <a:ea typeface="+mj-ea"/>
+              </a:endParaRPr>
+            </a:p>
+          </p:txBody>
+        </p:sp>
+      </p:grpSp>
+      <p:cxnSp>
+        <p:nvCxnSpPr>
+          <p:cNvPr id="35" name="직선 화살표 연결선 34"/>
+          <p:cNvCxnSpPr>
+            <a:stCxn id="22" idx="0"/>
+            <a:endCxn id="4" idx="3"/>
+          </p:cNvCxnSpPr>
+          <p:nvPr/>
+        </p:nvCxnSpPr>
+        <p:spPr bwMode="auto">
+          <a:xfrm flipV="1">
+            <a:off x="1869025" y="2315403"/>
+            <a:ext cx="840158" cy="2390256"/>
+          </a:xfrm>
+          <a:prstGeom prst="straightConnector1">
+            <a:avLst/>
+          </a:prstGeom>
+          <a:noFill/>
+          <a:ln w="12700" cap="flat" cmpd="sng" algn="ctr">
+            <a:solidFill>
+              <a:schemeClr val="tx1">
+                <a:lumMod val="75000"/>
+                <a:lumOff val="25000"/>
+              </a:schemeClr>
+            </a:solidFill>
+            <a:prstDash val="solid"/>
+            <a:round/>
+            <a:headEnd type="none" w="med" len="med"/>
+            <a:tailEnd type="arrow"/>
+          </a:ln>
+          <a:effectLst/>
+        </p:spPr>
+      </p:cxnSp>
+      <p:cxnSp>
+        <p:nvCxnSpPr>
+          <p:cNvPr id="37" name="직선 화살표 연결선 36"/>
+          <p:cNvCxnSpPr>
+            <a:stCxn id="32" idx="0"/>
+          </p:cNvCxnSpPr>
+          <p:nvPr/>
+        </p:nvCxnSpPr>
+        <p:spPr bwMode="auto">
+          <a:xfrm flipH="1" flipV="1">
+            <a:off x="3292190" y="2420859"/>
+            <a:ext cx="792110" cy="2284800"/>
+          </a:xfrm>
+          <a:prstGeom prst="straightConnector1">
+            <a:avLst/>
+          </a:prstGeom>
+          <a:noFill/>
+          <a:ln w="12700" cap="flat" cmpd="sng" algn="ctr">
+            <a:solidFill>
+              <a:schemeClr val="tx1">
+                <a:lumMod val="75000"/>
+                <a:lumOff val="25000"/>
+              </a:schemeClr>
+            </a:solidFill>
+            <a:prstDash val="solid"/>
+            <a:round/>
+            <a:headEnd type="none" w="med" len="med"/>
+            <a:tailEnd type="arrow"/>
+          </a:ln>
+          <a:effectLst/>
+        </p:spPr>
+      </p:cxnSp>
+      <p:cxnSp>
+        <p:nvCxnSpPr>
+          <p:cNvPr id="39" name="직선 화살표 연결선 38"/>
+          <p:cNvCxnSpPr>
+            <a:stCxn id="26" idx="0"/>
+            <a:endCxn id="8" idx="3"/>
+          </p:cNvCxnSpPr>
+          <p:nvPr/>
+        </p:nvCxnSpPr>
+        <p:spPr bwMode="auto">
+          <a:xfrm flipV="1">
+            <a:off x="6964700" y="2315403"/>
+            <a:ext cx="641163" cy="2411497"/>
+          </a:xfrm>
+          <a:prstGeom prst="straightConnector1">
+            <a:avLst/>
+          </a:prstGeom>
+          <a:noFill/>
+          <a:ln w="12700" cap="flat" cmpd="sng" algn="ctr">
+            <a:solidFill>
+              <a:schemeClr val="tx1">
+                <a:lumMod val="75000"/>
+                <a:lumOff val="25000"/>
+              </a:schemeClr>
+            </a:solidFill>
+            <a:prstDash val="solid"/>
+            <a:round/>
+            <a:headEnd type="none" w="med" len="med"/>
+            <a:tailEnd type="arrow"/>
+          </a:ln>
+          <a:effectLst/>
+        </p:spPr>
+      </p:cxnSp>
+      <p:cxnSp>
+        <p:nvCxnSpPr>
+          <p:cNvPr id="43" name="직선 화살표 연결선 42"/>
+          <p:cNvCxnSpPr>
+            <a:stCxn id="29" idx="0"/>
+            <a:endCxn id="8" idx="5"/>
+          </p:cNvCxnSpPr>
+          <p:nvPr/>
+        </p:nvCxnSpPr>
+        <p:spPr bwMode="auto">
+          <a:xfrm flipH="1" flipV="1">
+            <a:off x="8267807" y="2315403"/>
+            <a:ext cx="1073223" cy="2411497"/>
+          </a:xfrm>
+          <a:prstGeom prst="straightConnector1">
+            <a:avLst/>
+          </a:prstGeom>
+          <a:noFill/>
+          <a:ln w="12700" cap="flat" cmpd="sng" algn="ctr">
+            <a:solidFill>
+              <a:schemeClr val="tx1">
+                <a:lumMod val="75000"/>
+                <a:lumOff val="25000"/>
+              </a:schemeClr>
+            </a:solidFill>
+            <a:prstDash val="solid"/>
+            <a:round/>
+            <a:headEnd type="none" w="med" len="med"/>
+            <a:tailEnd type="arrow"/>
+          </a:ln>
+          <a:effectLst/>
+        </p:spPr>
+      </p:cxnSp>
+      <p:cxnSp>
+        <p:nvCxnSpPr>
+          <p:cNvPr id="49" name="꺾인 연결선 48"/>
+          <p:cNvCxnSpPr>
+            <a:stCxn id="26" idx="4"/>
+            <a:endCxn id="32" idx="4"/>
+          </p:cNvCxnSpPr>
+          <p:nvPr/>
+        </p:nvCxnSpPr>
+        <p:spPr bwMode="auto">
+          <a:xfrm rot="5400000" flipH="1">
+            <a:off x="5513879" y="3852160"/>
+            <a:ext cx="21241" cy="2880400"/>
+          </a:xfrm>
+          <a:prstGeom prst="bentConnector3">
+            <a:avLst>
+              <a:gd name="adj1" fmla="val -1076221"/>
+            </a:avLst>
+          </a:prstGeom>
+          <a:noFill/>
+          <a:ln w="12700" cap="flat" cmpd="sng" algn="ctr">
+            <a:solidFill>
+              <a:schemeClr val="tx1">
+                <a:lumMod val="75000"/>
+                <a:lumOff val="25000"/>
+              </a:schemeClr>
+            </a:solidFill>
+            <a:prstDash val="solid"/>
+            <a:round/>
+            <a:headEnd type="none" w="med" len="med"/>
+            <a:tailEnd type="arrow"/>
+          </a:ln>
+          <a:effectLst/>
+        </p:spPr>
+      </p:cxnSp>
+      <p:sp>
+        <p:nvSpPr>
+          <p:cNvPr id="50" name="TextBox 49"/>
+          <p:cNvSpPr txBox="1"/>
+          <p:nvPr/>
+        </p:nvSpPr>
+        <p:spPr bwMode="auto">
+          <a:xfrm>
+            <a:off x="4336334" y="5600341"/>
+            <a:ext cx="2376330" cy="276999"/>
+          </a:xfrm>
+          <a:prstGeom prst="rect">
+            <a:avLst/>
+          </a:prstGeom>
+          <a:noFill/>
+          <a:ln w="12700">
+            <a:noFill/>
+            <a:miter lim="800000"/>
+            <a:headEnd/>
+            <a:tailEnd/>
+          </a:ln>
+          <a:effectLst/>
+        </p:spPr>
+        <p:txBody>
+          <a:bodyPr wrap="square" rtlCol="0">
+            <a:spAutoFit/>
+          </a:bodyPr>
+          <a:lstStyle/>
+          <a:p>
+            <a:pPr algn="l" defTabSz="708025" eaLnBrk="0" latinLnBrk="0" hangingPunct="0">
+              <a:spcBef>
+                <a:spcPts val="0"/>
+              </a:spcBef>
+              <a:buClr>
+                <a:schemeClr val="folHlink"/>
+              </a:buClr>
+              <a:buFontTx/>
+              <a:buChar char="-"/>
+            </a:pPr>
+            <a:r>
+              <a:rPr lang="en-US" altLang="ko-KR" dirty="0" smtClean="0">
+                <a:latin typeface="+mj-lt"/>
+                <a:ea typeface="+mj-ea"/>
+              </a:rPr>
+              <a:t>[:IS_EXTERNAL_LINKED_TO]</a:t>
+            </a:r>
+            <a:endParaRPr lang="ko-KR" altLang="en-US" dirty="0">
+              <a:latin typeface="+mj-lt"/>
+              <a:ea typeface="+mj-ea"/>
+            </a:endParaRPr>
+          </a:p>
+        </p:txBody>
+      </p:sp>
+      <p:sp>
+        <p:nvSpPr>
+          <p:cNvPr id="51" name="TextBox 50"/>
+          <p:cNvSpPr txBox="1"/>
+          <p:nvPr/>
+        </p:nvSpPr>
+        <p:spPr bwMode="auto">
+          <a:xfrm>
+            <a:off x="4725641" y="5877340"/>
+            <a:ext cx="2196305" cy="276999"/>
+          </a:xfrm>
+          <a:prstGeom prst="rect">
+            <a:avLst/>
+          </a:prstGeom>
+          <a:noFill/>
+          <a:ln w="12700">
+            <a:noFill/>
+            <a:miter lim="800000"/>
+            <a:headEnd/>
+            <a:tailEnd/>
+          </a:ln>
+          <a:effectLst/>
+        </p:spPr>
+        <p:txBody>
+          <a:bodyPr wrap="square" rtlCol="0">
+            <a:spAutoFit/>
+          </a:bodyPr>
+          <a:lstStyle/>
+          <a:p>
+            <a:pPr algn="l" defTabSz="708025" eaLnBrk="0" latinLnBrk="0" hangingPunct="0">
+              <a:spcBef>
+                <a:spcPts val="0"/>
+              </a:spcBef>
+              <a:buClr>
+                <a:schemeClr val="folHlink"/>
+              </a:buClr>
+            </a:pPr>
+            <a:r>
+              <a:rPr lang="en-US" altLang="ko-KR" dirty="0" smtClean="0">
+                <a:latin typeface="+mj-lt"/>
+                <a:ea typeface="+mj-ea"/>
+              </a:rPr>
+              <a:t>Property : </a:t>
+            </a:r>
+            <a:r>
+              <a:rPr lang="en-US" altLang="ko-KR" dirty="0" err="1" smtClean="0">
+                <a:latin typeface="+mj-lt"/>
+                <a:ea typeface="+mj-ea"/>
+              </a:rPr>
+              <a:t>externalArchiveId</a:t>
+            </a:r>
+            <a:endParaRPr lang="ko-KR" altLang="en-US" dirty="0">
+              <a:latin typeface="+mj-lt"/>
+              <a:ea typeface="+mj-ea"/>
+            </a:endParaRPr>
+          </a:p>
+        </p:txBody>
+      </p:sp>
+    </p:spTree>
+    <p:extLst>
+      <p:ext uri="{BB962C8B-B14F-4D97-AF65-F5344CB8AC3E}">
+        <p14:creationId xmlns:p14="http://schemas.microsoft.com/office/powerpoint/2010/main" val="2473684356"/>
       </p:ext>
     </p:extLst>
   </p:cSld>
